--- a/Linguagem de controle de estoque.pptx
+++ b/Linguagem de controle de estoque.pptx
@@ -832,7 +832,7 @@
       </p:grpSpPr>
       <p:sp>
         <p:nvSpPr>
-          <p:cNvPr id="150" name="Google Shape;150;g366c58c7028_0_184:notes"/>
+          <p:cNvPr id="150" name="Google Shape;150;g366c58c7028_0_209:notes"/>
           <p:cNvSpPr/>
           <p:nvPr>
             <p:ph idx="2" type="sldImg"/>
@@ -867,7 +867,7 @@
       </p:sp>
       <p:sp>
         <p:nvSpPr>
-          <p:cNvPr id="151" name="Google Shape;151;g366c58c7028_0_184:notes"/>
+          <p:cNvPr id="151" name="Google Shape;151;g366c58c7028_0_209:notes"/>
           <p:cNvSpPr txBox="1"/>
           <p:nvPr>
             <p:ph idx="1" type="body"/>
@@ -931,7 +931,7 @@
       </p:grpSpPr>
       <p:sp>
         <p:nvSpPr>
-          <p:cNvPr id="157" name="Google Shape;157;g366c58c7028_0_209:notes"/>
+          <p:cNvPr id="157" name="Google Shape;157;g366c58c7028_0_216:notes"/>
           <p:cNvSpPr/>
           <p:nvPr>
             <p:ph idx="2" type="sldImg"/>
@@ -966,7 +966,7 @@
       </p:sp>
       <p:sp>
         <p:nvSpPr>
-          <p:cNvPr id="158" name="Google Shape;158;g366c58c7028_0_209:notes"/>
+          <p:cNvPr id="158" name="Google Shape;158;g366c58c7028_0_216:notes"/>
           <p:cNvSpPr txBox="1"/>
           <p:nvPr>
             <p:ph idx="1" type="body"/>
@@ -1016,7 +1016,7 @@
   <p:cSld>
     <p:spTree>
       <p:nvGrpSpPr>
-        <p:cNvPr id="163" name="Shape 163"/>
+        <p:cNvPr id="165" name="Shape 165"/>
         <p:cNvGrpSpPr/>
         <p:nvPr/>
       </p:nvGrpSpPr>
@@ -1030,7 +1030,7 @@
       </p:grpSpPr>
       <p:sp>
         <p:nvSpPr>
-          <p:cNvPr id="164" name="Google Shape;164;g366c58c7028_0_216:notes"/>
+          <p:cNvPr id="166" name="Google Shape;166;g366c58c7028_0_246:notes"/>
           <p:cNvSpPr/>
           <p:nvPr>
             <p:ph idx="2" type="sldImg"/>
@@ -1065,7 +1065,7 @@
       </p:sp>
       <p:sp>
         <p:nvSpPr>
-          <p:cNvPr id="165" name="Google Shape;165;g366c58c7028_0_216:notes"/>
+          <p:cNvPr id="167" name="Google Shape;167;g366c58c7028_0_246:notes"/>
           <p:cNvSpPr txBox="1"/>
           <p:nvPr>
             <p:ph idx="1" type="body"/>
@@ -1115,7 +1115,7 @@
   <p:cSld>
     <p:spTree>
       <p:nvGrpSpPr>
-        <p:cNvPr id="172" name="Shape 172"/>
+        <p:cNvPr id="171" name="Shape 171"/>
         <p:cNvGrpSpPr/>
         <p:nvPr/>
       </p:nvGrpSpPr>
@@ -1129,7 +1129,7 @@
       </p:grpSpPr>
       <p:sp>
         <p:nvSpPr>
-          <p:cNvPr id="173" name="Google Shape;173;g366c58c7028_0_235:notes"/>
+          <p:cNvPr id="172" name="Google Shape;172;g366c58c7028_0_235:notes"/>
           <p:cNvSpPr/>
           <p:nvPr>
             <p:ph idx="2" type="sldImg"/>
@@ -1164,7 +1164,7 @@
       </p:sp>
       <p:sp>
         <p:nvSpPr>
-          <p:cNvPr id="174" name="Google Shape;174;g366c58c7028_0_235:notes"/>
+          <p:cNvPr id="173" name="Google Shape;173;g366c58c7028_0_235:notes"/>
           <p:cNvSpPr txBox="1"/>
           <p:nvPr>
             <p:ph idx="1" type="body"/>
@@ -1327,7 +1327,7 @@
       </p:grpSpPr>
       <p:sp>
         <p:nvSpPr>
-          <p:cNvPr id="96" name="Google Shape;96;g366c58c7028_0_143:notes"/>
+          <p:cNvPr id="96" name="Google Shape;96;g366c58c7028_0_151:notes"/>
           <p:cNvSpPr/>
           <p:nvPr>
             <p:ph idx="2" type="sldImg"/>
@@ -1362,7 +1362,7 @@
       </p:sp>
       <p:sp>
         <p:nvSpPr>
-          <p:cNvPr id="97" name="Google Shape;97;g366c58c7028_0_143:notes"/>
+          <p:cNvPr id="97" name="Google Shape;97;g366c58c7028_0_151:notes"/>
           <p:cNvSpPr txBox="1"/>
           <p:nvPr>
             <p:ph idx="1" type="body"/>
@@ -1426,7 +1426,7 @@
       </p:grpSpPr>
       <p:sp>
         <p:nvSpPr>
-          <p:cNvPr id="103" name="Google Shape;103;g366c58c7028_0_151:notes"/>
+          <p:cNvPr id="103" name="Google Shape;103;g366c58c7028_0_158:notes"/>
           <p:cNvSpPr/>
           <p:nvPr>
             <p:ph idx="2" type="sldImg"/>
@@ -1461,7 +1461,7 @@
       </p:sp>
       <p:sp>
         <p:nvSpPr>
-          <p:cNvPr id="104" name="Google Shape;104;g366c58c7028_0_151:notes"/>
+          <p:cNvPr id="104" name="Google Shape;104;g366c58c7028_0_158:notes"/>
           <p:cNvSpPr txBox="1"/>
           <p:nvPr>
             <p:ph idx="1" type="body"/>
@@ -1511,7 +1511,7 @@
   <p:cSld>
     <p:spTree>
       <p:nvGrpSpPr>
-        <p:cNvPr id="109" name="Shape 109"/>
+        <p:cNvPr id="110" name="Shape 110"/>
         <p:cNvGrpSpPr/>
         <p:nvPr/>
       </p:nvGrpSpPr>
@@ -1525,7 +1525,7 @@
       </p:grpSpPr>
       <p:sp>
         <p:nvSpPr>
-          <p:cNvPr id="110" name="Google Shape;110;g366c58c7028_0_158:notes"/>
+          <p:cNvPr id="111" name="Google Shape;111;g366c58c7028_0_168:notes"/>
           <p:cNvSpPr/>
           <p:nvPr>
             <p:ph idx="2" type="sldImg"/>
@@ -1560,7 +1560,7 @@
       </p:sp>
       <p:sp>
         <p:nvSpPr>
-          <p:cNvPr id="111" name="Google Shape;111;g366c58c7028_0_158:notes"/>
+          <p:cNvPr id="112" name="Google Shape;112;g366c58c7028_0_168:notes"/>
           <p:cNvSpPr txBox="1"/>
           <p:nvPr>
             <p:ph idx="1" type="body"/>
@@ -1610,7 +1610,7 @@
   <p:cSld>
     <p:spTree>
       <p:nvGrpSpPr>
-        <p:cNvPr id="117" name="Shape 117"/>
+        <p:cNvPr id="118" name="Shape 118"/>
         <p:cNvGrpSpPr/>
         <p:nvPr/>
       </p:nvGrpSpPr>
@@ -1624,7 +1624,7 @@
       </p:grpSpPr>
       <p:sp>
         <p:nvSpPr>
-          <p:cNvPr id="118" name="Google Shape;118;g366c58c7028_0_168:notes"/>
+          <p:cNvPr id="119" name="Google Shape;119;g366c58c7028_0_176:notes"/>
           <p:cNvSpPr/>
           <p:nvPr>
             <p:ph idx="2" type="sldImg"/>
@@ -1659,7 +1659,7 @@
       </p:sp>
       <p:sp>
         <p:nvSpPr>
-          <p:cNvPr id="119" name="Google Shape;119;g366c58c7028_0_168:notes"/>
+          <p:cNvPr id="120" name="Google Shape;120;g366c58c7028_0_176:notes"/>
           <p:cNvSpPr txBox="1"/>
           <p:nvPr>
             <p:ph idx="1" type="body"/>
@@ -1709,7 +1709,7 @@
   <p:cSld>
     <p:spTree>
       <p:nvGrpSpPr>
-        <p:cNvPr id="125" name="Shape 125"/>
+        <p:cNvPr id="126" name="Shape 126"/>
         <p:cNvGrpSpPr/>
         <p:nvPr/>
       </p:nvGrpSpPr>
@@ -1723,7 +1723,7 @@
       </p:grpSpPr>
       <p:sp>
         <p:nvSpPr>
-          <p:cNvPr id="126" name="Google Shape;126;g366c58c7028_0_176:notes"/>
+          <p:cNvPr id="127" name="Google Shape;127;g366c58c7028_0_192:notes"/>
           <p:cNvSpPr/>
           <p:nvPr>
             <p:ph idx="2" type="sldImg"/>
@@ -1758,7 +1758,7 @@
       </p:sp>
       <p:sp>
         <p:nvSpPr>
-          <p:cNvPr id="127" name="Google Shape;127;g366c58c7028_0_176:notes"/>
+          <p:cNvPr id="128" name="Google Shape;128;g366c58c7028_0_192:notes"/>
           <p:cNvSpPr txBox="1"/>
           <p:nvPr>
             <p:ph idx="1" type="body"/>
@@ -1808,7 +1808,7 @@
   <p:cSld>
     <p:spTree>
       <p:nvGrpSpPr>
-        <p:cNvPr id="133" name="Shape 133"/>
+        <p:cNvPr id="134" name="Shape 134"/>
         <p:cNvGrpSpPr/>
         <p:nvPr/>
       </p:nvGrpSpPr>
@@ -1822,7 +1822,7 @@
       </p:grpSpPr>
       <p:sp>
         <p:nvSpPr>
-          <p:cNvPr id="134" name="Google Shape;134;g366c58c7028_0_192:notes"/>
+          <p:cNvPr id="135" name="Google Shape;135;g366c58c7028_0_201:notes"/>
           <p:cNvSpPr/>
           <p:nvPr>
             <p:ph idx="2" type="sldImg"/>
@@ -1857,7 +1857,7 @@
       </p:sp>
       <p:sp>
         <p:nvSpPr>
-          <p:cNvPr id="135" name="Google Shape;135;g366c58c7028_0_192:notes"/>
+          <p:cNvPr id="136" name="Google Shape;136;g366c58c7028_0_201:notes"/>
           <p:cNvSpPr txBox="1"/>
           <p:nvPr>
             <p:ph idx="1" type="body"/>
@@ -1907,7 +1907,7 @@
   <p:cSld>
     <p:spTree>
       <p:nvGrpSpPr>
-        <p:cNvPr id="141" name="Shape 141"/>
+        <p:cNvPr id="142" name="Shape 142"/>
         <p:cNvGrpSpPr/>
         <p:nvPr/>
       </p:nvGrpSpPr>
@@ -1921,7 +1921,7 @@
       </p:grpSpPr>
       <p:sp>
         <p:nvSpPr>
-          <p:cNvPr id="142" name="Google Shape;142;g366c58c7028_0_201:notes"/>
+          <p:cNvPr id="143" name="Google Shape;143;g366c58c7028_0_184:notes"/>
           <p:cNvSpPr/>
           <p:nvPr>
             <p:ph idx="2" type="sldImg"/>
@@ -1956,7 +1956,7 @@
       </p:sp>
       <p:sp>
         <p:nvSpPr>
-          <p:cNvPr id="143" name="Google Shape;143;g366c58c7028_0_201:notes"/>
+          <p:cNvPr id="144" name="Google Shape;144;g366c58c7028_0_184:notes"/>
           <p:cNvSpPr txBox="1"/>
           <p:nvPr>
             <p:ph idx="1" type="body"/>
@@ -8514,7 +8514,7 @@
                 <a:cs typeface="Arial"/>
                 <a:sym typeface="Arial"/>
               </a:rPr>
-              <a:t>Manuseio</a:t>
+              <a:t>Variáveis auxiliares</a:t>
             </a:r>
             <a:endParaRPr>
               <a:latin typeface="Arial"/>
@@ -8536,7 +8536,7 @@
         <p:spPr>
           <a:xfrm>
             <a:off x="61925" y="1339825"/>
-            <a:ext cx="4306800" cy="3654600"/>
+            <a:ext cx="6291600" cy="3654600"/>
           </a:xfrm>
           <a:prstGeom prst="rect">
             <a:avLst/>
@@ -8544,13 +8544,51 @@
         </p:spPr>
         <p:txBody>
           <a:bodyPr anchorCtr="0" anchor="t" bIns="91425" lIns="91425" spcFirstLastPara="1" rIns="91425" wrap="square" tIns="91425">
-            <a:normAutofit fontScale="85000" lnSpcReduction="10000"/>
+            <a:normAutofit lnSpcReduction="20000"/>
           </a:bodyPr>
           <a:lstStyle/>
           <a:p>
+            <a:pPr indent="0" lvl="0" marL="0" marR="0" rtl="0" algn="l">
+              <a:lnSpc>
+                <a:spcPct val="115000"/>
+              </a:lnSpc>
+              <a:spcBef>
+                <a:spcPts val="0"/>
+              </a:spcBef>
+              <a:spcAft>
+                <a:spcPts val="0"/>
+              </a:spcAft>
+              <a:buNone/>
+            </a:pPr>
+            <a:r>
+              <a:rPr lang="pt-BR"/>
+              <a:t>Para aumentar a gama de possibilidades do código foram incluídas variáveis auxiliares, as quais podem ser do tipo booleana ou inteira e podem ser utilizadas ao longo do códgio;</a:t>
+            </a:r>
+            <a:endParaRPr/>
+          </a:p>
+          <a:p>
+            <a:pPr indent="0" lvl="0" marL="0" marR="0" rtl="0" algn="l">
+              <a:lnSpc>
+                <a:spcPct val="115000"/>
+              </a:lnSpc>
+              <a:spcBef>
+                <a:spcPts val="1200"/>
+              </a:spcBef>
+              <a:spcAft>
+                <a:spcPts val="0"/>
+              </a:spcAft>
+              <a:buNone/>
+            </a:pPr>
+            <a:r>
+              <a:rPr lang="pt-BR"/>
+              <a:t>Exemplo:</a:t>
+            </a:r>
+            <a:endParaRPr/>
+          </a:p>
+          <a:p>
             <a:pPr indent="0" lvl="0" marL="0" rtl="0" algn="l">
               <a:spcBef>
-                <a:spcPts val="0"/>
+                <a:spcPts val="1200"/>
               </a:spcBef>
               <a:spcAft>
                 <a:spcPts val="0"/>
@@ -8559,31 +8597,75 @@
             </a:pPr>
             <a:r>
               <a:rPr lang="pt-BR"/>
-              <a:t>O Manuseio </a:t>
-            </a:r>
+              <a:t>	int_var quantidade_quase_vencida = validade(12345, A1, 10)</a:t>
+            </a:r>
+            <a:endParaRPr/>
+          </a:p>
+          <a:p>
+            <a:pPr indent="0" lvl="0" marL="0" rtl="0" algn="l">
+              <a:spcBef>
+                <a:spcPts val="1200"/>
+              </a:spcBef>
+              <a:spcAft>
+                <a:spcPts val="0"/>
+              </a:spcAft>
+              <a:buNone/>
+            </a:pPr>
             <a:r>
               <a:rPr lang="pt-BR"/>
-              <a:t>é um processo interno à cadeia logística que engloba as operações </a:t>
-            </a:r>
-            <a:r>
-              <a:rPr b="1" lang="pt-BR"/>
-              <a:t>envolvendo a análise dos itens armazenados</a:t>
-            </a:r>
+              <a:t>	bool_var estoque_positivo = true</a:t>
+            </a:r>
+            <a:endParaRPr/>
+          </a:p>
+          <a:p>
+            <a:pPr indent="0" lvl="0" marL="0" rtl="0" algn="l">
+              <a:spcBef>
+                <a:spcPts val="1200"/>
+              </a:spcBef>
+              <a:spcAft>
+                <a:spcPts val="0"/>
+              </a:spcAft>
+              <a:buNone/>
+            </a:pPr>
             <a:r>
               <a:rPr lang="pt-BR"/>
-              <a:t>. Para isso o código apresenta fluxos capazes de </a:t>
-            </a:r>
-            <a:r>
-              <a:rPr b="1" lang="pt-BR"/>
-              <a:t>manusear os produtos</a:t>
-            </a:r>
+              <a:t>	enquanto(estoque(67890, B2) &gt; 0) {</a:t>
+            </a:r>
+            <a:endParaRPr/>
+          </a:p>
+          <a:p>
+            <a:pPr indent="0" lvl="0" marL="0" rtl="0" algn="l">
+              <a:spcBef>
+                <a:spcPts val="1200"/>
+              </a:spcBef>
+              <a:spcAft>
+                <a:spcPts val="0"/>
+              </a:spcAft>
+              <a:buNone/>
+            </a:pPr>
             <a:r>
               <a:rPr lang="pt-BR"/>
-              <a:t>.</a:t>
+              <a:t>    		vender(67890, 50, B2)</a:t>
             </a:r>
             <a:endParaRPr/>
           </a:p>
           <a:p>
+            <a:pPr indent="457200" lvl="0" marL="457200" rtl="0" algn="l">
+              <a:spcBef>
+                <a:spcPts val="1200"/>
+              </a:spcBef>
+              <a:spcAft>
+                <a:spcPts val="0"/>
+              </a:spcAft>
+              <a:buNone/>
+            </a:pPr>
+            <a:r>
+              <a:rPr lang="pt-BR"/>
+              <a:t>estoque_positivo = false</a:t>
+            </a:r>
+            <a:endParaRPr/>
+          </a:p>
+          <a:p>
             <a:pPr indent="0" lvl="0" marL="0" rtl="0" algn="l">
               <a:spcBef>
                 <a:spcPts val="1200"/>
@@ -8595,120 +8677,27 @@
             </a:pPr>
             <a:r>
               <a:rPr lang="pt-BR"/>
-              <a:t>No código os produtos armazenados são tratados como variáveis. É possível obter seus valores com:</a:t>
+              <a:t>	}</a:t>
             </a:r>
             <a:endParaRPr/>
           </a:p>
           <a:p>
-            <a:pPr indent="-293370" lvl="0" marL="457200" rtl="0" algn="l">
+            <a:pPr indent="0" lvl="0" marL="0" marR="0" rtl="0" algn="l">
+              <a:lnSpc>
+                <a:spcPct val="115000"/>
+              </a:lnSpc>
               <a:spcBef>
                 <a:spcPts val="1200"/>
               </a:spcBef>
               <a:spcAft>
-                <a:spcPts val="0"/>
-              </a:spcAft>
-              <a:buSzPct val="100000"/>
-              <a:buChar char="●"/>
-            </a:pPr>
-            <a:r>
-              <a:rPr b="1" lang="pt-BR" sz="1200"/>
-              <a:t>Exibir: </a:t>
-            </a:r>
-            <a:r>
-              <a:rPr lang="pt-BR" sz="1200"/>
-              <a:t>É o print da linguagem, printa determinada </a:t>
-            </a:r>
-            <a:r>
-              <a:rPr b="1" lang="pt-BR" sz="1200"/>
-              <a:t>posição</a:t>
-            </a:r>
-            <a:r>
-              <a:rPr lang="pt-BR" sz="1200"/>
-              <a:t> ou determinado </a:t>
-            </a:r>
-            <a:r>
-              <a:rPr b="1" lang="pt-BR" sz="1200"/>
-              <a:t>SKU</a:t>
-            </a:r>
-            <a:endParaRPr b="1" sz="1200"/>
-          </a:p>
-          <a:p>
-            <a:pPr indent="-293370" lvl="0" marL="457200" rtl="0" algn="l">
-              <a:spcBef>
-                <a:spcPts val="0"/>
-              </a:spcBef>
-              <a:spcAft>
-                <a:spcPts val="0"/>
-              </a:spcAft>
-              <a:buSzPct val="100000"/>
-              <a:buChar char="●"/>
-            </a:pPr>
-            <a:r>
-              <a:rPr b="1" lang="pt-BR" sz="1200"/>
-              <a:t>Conferir: recebe um SKU</a:t>
-            </a:r>
-            <a:r>
-              <a:rPr lang="pt-BR" sz="1200"/>
-              <a:t> ou </a:t>
-            </a:r>
-            <a:r>
-              <a:rPr b="1" lang="pt-BR" sz="1200"/>
-              <a:t>SKU e posição</a:t>
-            </a:r>
-            <a:r>
-              <a:rPr lang="pt-BR" sz="1200"/>
-              <a:t>. No primeiro caso, retorna a  quantidade total de determinado item em todo o estoque, no segundo retorna a quantidade do item na posição</a:t>
-            </a:r>
-            <a:endParaRPr sz="1200"/>
-          </a:p>
-          <a:p>
-            <a:pPr indent="-293370" lvl="0" marL="457200" rtl="0" algn="l">
-              <a:spcBef>
-                <a:spcPts val="0"/>
-              </a:spcBef>
-              <a:spcAft>
-                <a:spcPts val="0"/>
-              </a:spcAft>
-              <a:buSzPct val="100000"/>
-              <a:buChar char="●"/>
-            </a:pPr>
-            <a:r>
-              <a:rPr b="1" lang="pt-BR" sz="1200"/>
-              <a:t>Validade: recebe um SKU, posição e número de dias</a:t>
-            </a:r>
-            <a:r>
-              <a:rPr lang="pt-BR" sz="1200"/>
-              <a:t>. Analisa o item e a posição buscada e retorna a quantidade de itens com validade igual ou menor em dias ao argumento passado, utiliza a data atual como referência. </a:t>
-            </a:r>
-            <a:endParaRPr sz="1200"/>
-          </a:p>
-          <a:p>
-            <a:pPr indent="0" lvl="0" marL="0" rtl="0" algn="l">
-              <a:spcBef>
                 <a:spcPts val="1200"/>
-              </a:spcBef>
-              <a:spcAft>
-                <a:spcPts val="1200"/>
-              </a:spcAft>
-              <a:buNone/>
-            </a:pPr>
-            <a:r>
-              <a:rPr lang="pt-BR"/>
-              <a:t>Para adicionar mais quantidades, </a:t>
-            </a:r>
-            <a:r>
-              <a:rPr b="1" lang="pt-BR"/>
-              <a:t>basta realizar a alocação/movimentação</a:t>
-            </a:r>
-            <a:r>
-              <a:rPr lang="pt-BR"/>
-              <a:t> e para remover basta </a:t>
-            </a:r>
-            <a:r>
-              <a:rPr b="1" lang="pt-BR"/>
-              <a:t>realizar sua venda ou descarte</a:t>
-            </a:r>
-            <a:endParaRPr b="1"/>
+              </a:spcAft>
+              <a:buNone/>
+            </a:pPr>
+            <a:r>
+              <a:t/>
+            </a:r>
+            <a:endParaRPr/>
           </a:p>
         </p:txBody>
       </p:sp>
@@ -8728,8 +8717,8 @@
         </p:blipFill>
         <p:spPr>
           <a:xfrm>
-            <a:off x="6007700" y="985850"/>
-            <a:ext cx="2226850" cy="3958852"/>
+            <a:off x="5149600" y="2604525"/>
+            <a:ext cx="3744875" cy="2246925"/>
           </a:xfrm>
           <a:prstGeom prst="rect">
             <a:avLst/>
@@ -8804,299 +8793,19 @@
                 <a:cs typeface="Arial"/>
                 <a:sym typeface="Arial"/>
               </a:rPr>
-              <a:t>Variáveis auxiliares</a:t>
-            </a:r>
-            <a:endParaRPr>
-              <a:latin typeface="Arial"/>
-              <a:ea typeface="Arial"/>
-              <a:cs typeface="Arial"/>
-              <a:sym typeface="Arial"/>
-            </a:endParaRPr>
+              <a:t>Output</a:t>
+            </a:r>
+            <a:r>
+              <a:rPr lang="pt-BR"/>
+              <a:t> da interpretação</a:t>
+            </a:r>
+            <a:endParaRPr/>
           </a:p>
         </p:txBody>
       </p:sp>
       <p:sp>
         <p:nvSpPr>
           <p:cNvPr id="161" name="Google Shape;161;p23"/>
-          <p:cNvSpPr txBox="1"/>
-          <p:nvPr>
-            <p:ph idx="1" type="body"/>
-          </p:nvPr>
-        </p:nvSpPr>
-        <p:spPr>
-          <a:xfrm>
-            <a:off x="61925" y="1339825"/>
-            <a:ext cx="6291600" cy="3654600"/>
-          </a:xfrm>
-          <a:prstGeom prst="rect">
-            <a:avLst/>
-          </a:prstGeom>
-        </p:spPr>
-        <p:txBody>
-          <a:bodyPr anchorCtr="0" anchor="t" bIns="91425" lIns="91425" spcFirstLastPara="1" rIns="91425" wrap="square" tIns="91425">
-            <a:normAutofit lnSpcReduction="20000"/>
-          </a:bodyPr>
-          <a:lstStyle/>
-          <a:p>
-            <a:pPr indent="0" lvl="0" marL="0" marR="0" rtl="0" algn="l">
-              <a:lnSpc>
-                <a:spcPct val="115000"/>
-              </a:lnSpc>
-              <a:spcBef>
-                <a:spcPts val="0"/>
-              </a:spcBef>
-              <a:spcAft>
-                <a:spcPts val="0"/>
-              </a:spcAft>
-              <a:buNone/>
-            </a:pPr>
-            <a:r>
-              <a:rPr lang="pt-BR"/>
-              <a:t>Para aumentar a gama de possibilidades do código foram incluídas variáveis auxiliares, as quais podem ser do tipo booleana ou inteira e podem ser utilizadas ao longo do códgio;</a:t>
-            </a:r>
-            <a:endParaRPr/>
-          </a:p>
-          <a:p>
-            <a:pPr indent="0" lvl="0" marL="0" marR="0" rtl="0" algn="l">
-              <a:lnSpc>
-                <a:spcPct val="115000"/>
-              </a:lnSpc>
-              <a:spcBef>
-                <a:spcPts val="1200"/>
-              </a:spcBef>
-              <a:spcAft>
-                <a:spcPts val="0"/>
-              </a:spcAft>
-              <a:buNone/>
-            </a:pPr>
-            <a:r>
-              <a:rPr lang="pt-BR"/>
-              <a:t>Exemplo:</a:t>
-            </a:r>
-            <a:endParaRPr/>
-          </a:p>
-          <a:p>
-            <a:pPr indent="0" lvl="0" marL="0" rtl="0" algn="l">
-              <a:spcBef>
-                <a:spcPts val="1200"/>
-              </a:spcBef>
-              <a:spcAft>
-                <a:spcPts val="0"/>
-              </a:spcAft>
-              <a:buNone/>
-            </a:pPr>
-            <a:r>
-              <a:rPr lang="pt-BR"/>
-              <a:t>	int_var quantidade_quase_vencida = validade(12345, A1, 10)</a:t>
-            </a:r>
-            <a:endParaRPr/>
-          </a:p>
-          <a:p>
-            <a:pPr indent="0" lvl="0" marL="0" rtl="0" algn="l">
-              <a:spcBef>
-                <a:spcPts val="1200"/>
-              </a:spcBef>
-              <a:spcAft>
-                <a:spcPts val="0"/>
-              </a:spcAft>
-              <a:buNone/>
-            </a:pPr>
-            <a:r>
-              <a:rPr lang="pt-BR"/>
-              <a:t>	bool_var estoque_positivo = true</a:t>
-            </a:r>
-            <a:endParaRPr/>
-          </a:p>
-          <a:p>
-            <a:pPr indent="0" lvl="0" marL="0" rtl="0" algn="l">
-              <a:spcBef>
-                <a:spcPts val="1200"/>
-              </a:spcBef>
-              <a:spcAft>
-                <a:spcPts val="0"/>
-              </a:spcAft>
-              <a:buNone/>
-            </a:pPr>
-            <a:r>
-              <a:rPr lang="pt-BR"/>
-              <a:t>	enquanto(estoque(67890, B2) &gt; 0) {</a:t>
-            </a:r>
-            <a:endParaRPr/>
-          </a:p>
-          <a:p>
-            <a:pPr indent="0" lvl="0" marL="0" rtl="0" algn="l">
-              <a:spcBef>
-                <a:spcPts val="1200"/>
-              </a:spcBef>
-              <a:spcAft>
-                <a:spcPts val="0"/>
-              </a:spcAft>
-              <a:buNone/>
-            </a:pPr>
-            <a:r>
-              <a:rPr lang="pt-BR"/>
-              <a:t>    		vender(67890, 50, B2)</a:t>
-            </a:r>
-            <a:endParaRPr/>
-          </a:p>
-          <a:p>
-            <a:pPr indent="457200" lvl="0" marL="457200" rtl="0" algn="l">
-              <a:spcBef>
-                <a:spcPts val="1200"/>
-              </a:spcBef>
-              <a:spcAft>
-                <a:spcPts val="0"/>
-              </a:spcAft>
-              <a:buNone/>
-            </a:pPr>
-            <a:r>
-              <a:rPr lang="pt-BR"/>
-              <a:t>estoque_positivo = false</a:t>
-            </a:r>
-            <a:endParaRPr/>
-          </a:p>
-          <a:p>
-            <a:pPr indent="0" lvl="0" marL="0" rtl="0" algn="l">
-              <a:spcBef>
-                <a:spcPts val="1200"/>
-              </a:spcBef>
-              <a:spcAft>
-                <a:spcPts val="0"/>
-              </a:spcAft>
-              <a:buNone/>
-            </a:pPr>
-            <a:r>
-              <a:rPr lang="pt-BR"/>
-              <a:t>	}</a:t>
-            </a:r>
-            <a:endParaRPr/>
-          </a:p>
-          <a:p>
-            <a:pPr indent="0" lvl="0" marL="0" marR="0" rtl="0" algn="l">
-              <a:lnSpc>
-                <a:spcPct val="115000"/>
-              </a:lnSpc>
-              <a:spcBef>
-                <a:spcPts val="1200"/>
-              </a:spcBef>
-              <a:spcAft>
-                <a:spcPts val="1200"/>
-              </a:spcAft>
-              <a:buNone/>
-            </a:pPr>
-            <a:r>
-              <a:t/>
-            </a:r>
-            <a:endParaRPr/>
-          </a:p>
-        </p:txBody>
-      </p:sp>
-      <p:pic>
-        <p:nvPicPr>
-          <p:cNvPr id="162" name="Google Shape;162;p23"/>
-          <p:cNvPicPr preferRelativeResize="0"/>
-          <p:nvPr/>
-        </p:nvPicPr>
-        <p:blipFill>
-          <a:blip r:embed="rId3">
-            <a:alphaModFix/>
-          </a:blip>
-          <a:stretch>
-            <a:fillRect/>
-          </a:stretch>
-        </p:blipFill>
-        <p:spPr>
-          <a:xfrm>
-            <a:off x="5149600" y="2604525"/>
-            <a:ext cx="3744875" cy="2246925"/>
-          </a:xfrm>
-          <a:prstGeom prst="rect">
-            <a:avLst/>
-          </a:prstGeom>
-          <a:noFill/>
-          <a:ln>
-            <a:noFill/>
-          </a:ln>
-        </p:spPr>
-      </p:pic>
-    </p:spTree>
-  </p:cSld>
-  <p:clrMapOvr>
-    <a:masterClrMapping/>
-  </p:clrMapOvr>
-</p:sld>
-</file>
-
-<file path=ppt/slides/slide12.xml><?xml version="1.0" encoding="utf-8"?>
-<p:sld xmlns:a="http://schemas.openxmlformats.org/drawingml/2006/main" xmlns:r="http://schemas.openxmlformats.org/officeDocument/2006/relationships" xmlns:mc="http://schemas.openxmlformats.org/markup-compatibility/2006" xmlns:mv="urn:schemas-microsoft-com:mac:vml" xmlns:p="http://schemas.openxmlformats.org/presentationml/2006/main" xmlns:c="http://schemas.openxmlformats.org/drawingml/2006/chart" xmlns:dgm="http://schemas.openxmlformats.org/drawingml/2006/diagram" xmlns:o="urn:schemas-microsoft-com:office:office" xmlns:v="urn:schemas-microsoft-com:vml" xmlns:pvml="urn:schemas-microsoft-com:office:powerpoint" xmlns:com="http://schemas.openxmlformats.org/drawingml/2006/compatibility" xmlns:p14="http://schemas.microsoft.com/office/powerpoint/2010/main" xmlns:p15="http://schemas.microsoft.com/office/powerpoint/2012/main" xmlns:ahyp="http://schemas.microsoft.com/office/drawing/2018/hyperlinkcolor">
-  <p:cSld>
-    <p:spTree>
-      <p:nvGrpSpPr>
-        <p:cNvPr id="166" name="Shape 166"/>
-        <p:cNvGrpSpPr/>
-        <p:nvPr/>
-      </p:nvGrpSpPr>
-      <p:grpSpPr>
-        <a:xfrm>
-          <a:off x="0" y="0"/>
-          <a:ext cx="0" cy="0"/>
-          <a:chOff x="0" y="0"/>
-          <a:chExt cx="0" cy="0"/>
-        </a:xfrm>
-      </p:grpSpPr>
-      <p:sp>
-        <p:nvSpPr>
-          <p:cNvPr id="167" name="Google Shape;167;p24"/>
-          <p:cNvSpPr txBox="1"/>
-          <p:nvPr>
-            <p:ph type="title"/>
-          </p:nvPr>
-        </p:nvSpPr>
-        <p:spPr>
-          <a:xfrm>
-            <a:off x="729450" y="556650"/>
-            <a:ext cx="7688700" cy="535200"/>
-          </a:xfrm>
-          <a:prstGeom prst="rect">
-            <a:avLst/>
-          </a:prstGeom>
-        </p:spPr>
-        <p:txBody>
-          <a:bodyPr anchorCtr="0" anchor="t" bIns="91425" lIns="91425" spcFirstLastPara="1" rIns="91425" wrap="square" tIns="91425">
-            <a:normAutofit fontScale="90000"/>
-          </a:bodyPr>
-          <a:lstStyle/>
-          <a:p>
-            <a:pPr indent="0" lvl="0" marL="0" rtl="0" algn="l">
-              <a:spcBef>
-                <a:spcPts val="0"/>
-              </a:spcBef>
-              <a:spcAft>
-                <a:spcPts val="0"/>
-              </a:spcAft>
-              <a:buNone/>
-            </a:pPr>
-            <a:r>
-              <a:rPr lang="pt-BR">
-                <a:latin typeface="Arial"/>
-                <a:ea typeface="Arial"/>
-                <a:cs typeface="Arial"/>
-                <a:sym typeface="Arial"/>
-              </a:rPr>
-              <a:t>Curiosidades</a:t>
-            </a:r>
-            <a:endParaRPr>
-              <a:latin typeface="Arial"/>
-              <a:ea typeface="Arial"/>
-              <a:cs typeface="Arial"/>
-              <a:sym typeface="Arial"/>
-            </a:endParaRPr>
-          </a:p>
-        </p:txBody>
-      </p:sp>
-      <p:sp>
-        <p:nvSpPr>
-          <p:cNvPr id="168" name="Google Shape;168;p24"/>
           <p:cNvSpPr txBox="1"/>
           <p:nvPr>
             <p:ph idx="1" type="body"/>
@@ -9132,7 +8841,15 @@
             </a:pPr>
             <a:r>
               <a:rPr lang="pt-BR"/>
-              <a:t>O pagamento é feito ao fornecedor apenas após o pagamento, uma vez que a possibilidade de haver itens danificados ou fora da validade compromete a quantidade de comprada inicialmente</a:t>
+              <a:t>O resultado final da execução de determinado código, é um </a:t>
+            </a:r>
+            <a:r>
+              <a:rPr b="1" lang="pt-BR"/>
+              <a:t>TXT, </a:t>
+            </a:r>
+            <a:r>
+              <a:rPr lang="pt-BR"/>
+              <a:t>com o estado final do estoque após a execução. Esse estado, pode ser passado como argumento ao interpretar novamente a linguagem para partir de um estado não vazio de estoque. </a:t>
             </a:r>
             <a:endParaRPr/>
           </a:p>
@@ -9152,15 +8869,15 @@
             </a:pPr>
             <a:r>
               <a:rPr lang="pt-BR"/>
-              <a:t>O resultado final da execução de determinado código, é um </a:t>
-            </a:r>
-            <a:r>
-              <a:rPr b="1" lang="pt-BR"/>
-              <a:t>TXT, </a:t>
+              <a:t>Assim, a linguagem permite que diferentes operaç</a:t>
             </a:r>
             <a:r>
               <a:rPr lang="pt-BR"/>
-              <a:t>com o estado final do estoque após a execução. Esse estado, pode ser passado como argumento ao interpretar novamente a linguagem para partir de um estado não vazio de estoque. Assim, o código tem como objetivo ser modular, podendo ser trabalhado continuamente sobre diferentes programas</a:t>
+              <a:t>ões sejam feitas em momentos distintos</a:t>
+            </a:r>
+            <a:r>
+              <a:rPr lang="pt-BR"/>
+              <a:t>, podendo ser trabalhado continuamente sobre diferentes programas.</a:t>
             </a:r>
             <a:endParaRPr/>
           </a:p>
@@ -9168,13 +8885,13 @@
       </p:sp>
       <p:sp>
         <p:nvSpPr>
-          <p:cNvPr id="169" name="Google Shape;169;p24"/>
+          <p:cNvPr id="162" name="Google Shape;162;p23"/>
           <p:cNvSpPr txBox="1"/>
           <p:nvPr/>
         </p:nvSpPr>
         <p:spPr>
           <a:xfrm>
-            <a:off x="5407875" y="1755225"/>
+            <a:off x="5407875" y="1602825"/>
             <a:ext cx="3760800" cy="2770500"/>
           </a:xfrm>
           <a:prstGeom prst="rect">
@@ -9289,13 +9006,13 @@
       </p:sp>
       <p:sp>
         <p:nvSpPr>
-          <p:cNvPr id="170" name="Google Shape;170;p24"/>
+          <p:cNvPr id="163" name="Google Shape;163;p23"/>
           <p:cNvSpPr/>
           <p:nvPr/>
         </p:nvSpPr>
         <p:spPr>
           <a:xfrm>
-            <a:off x="4559425" y="2717775"/>
+            <a:off x="4635625" y="2031975"/>
             <a:ext cx="655500" cy="321900"/>
           </a:xfrm>
           <a:prstGeom prst="rightArrow">
@@ -9346,7 +9063,7 @@
       </p:sp>
       <p:sp>
         <p:nvSpPr>
-          <p:cNvPr id="171" name="Google Shape;171;p24"/>
+          <p:cNvPr id="164" name="Google Shape;164;p23"/>
           <p:cNvSpPr txBox="1"/>
           <p:nvPr>
             <p:ph type="title"/>
@@ -9354,7 +9071,7 @@
         </p:nvSpPr>
         <p:spPr>
           <a:xfrm>
-            <a:off x="5407875" y="1273650"/>
+            <a:off x="5407875" y="1197450"/>
             <a:ext cx="3028500" cy="535200"/>
           </a:xfrm>
           <a:prstGeom prst="rect">
@@ -9403,12 +9120,12 @@
 </p:sld>
 </file>
 
-<file path=ppt/slides/slide13.xml><?xml version="1.0" encoding="utf-8"?>
+<file path=ppt/slides/slide12.xml><?xml version="1.0" encoding="utf-8"?>
 <p:sld xmlns:a="http://schemas.openxmlformats.org/drawingml/2006/main" xmlns:r="http://schemas.openxmlformats.org/officeDocument/2006/relationships" xmlns:mc="http://schemas.openxmlformats.org/markup-compatibility/2006" xmlns:mv="urn:schemas-microsoft-com:mac:vml" xmlns:p="http://schemas.openxmlformats.org/presentationml/2006/main" xmlns:c="http://schemas.openxmlformats.org/drawingml/2006/chart" xmlns:dgm="http://schemas.openxmlformats.org/drawingml/2006/diagram" xmlns:o="urn:schemas-microsoft-com:office:office" xmlns:v="urn:schemas-microsoft-com:vml" xmlns:pvml="urn:schemas-microsoft-com:office:powerpoint" xmlns:com="http://schemas.openxmlformats.org/drawingml/2006/compatibility" xmlns:p14="http://schemas.microsoft.com/office/powerpoint/2010/main" xmlns:p15="http://schemas.microsoft.com/office/powerpoint/2012/main" xmlns:ahyp="http://schemas.microsoft.com/office/drawing/2018/hyperlinkcolor">
   <p:cSld>
     <p:spTree>
       <p:nvGrpSpPr>
-        <p:cNvPr id="175" name="Shape 175"/>
+        <p:cNvPr id="168" name="Shape 168"/>
         <p:cNvGrpSpPr/>
         <p:nvPr/>
       </p:nvGrpSpPr>
@@ -9422,7 +9139,7 @@
       </p:grpSpPr>
       <p:sp>
         <p:nvSpPr>
-          <p:cNvPr id="176" name="Google Shape;176;p25"/>
+          <p:cNvPr id="169" name="Google Shape;169;p24"/>
           <p:cNvSpPr txBox="1"/>
           <p:nvPr>
             <p:ph type="title"/>
@@ -9459,7 +9176,7 @@
                 <a:cs typeface="Arial"/>
                 <a:sym typeface="Arial"/>
               </a:rPr>
-              <a:t>Exemplos</a:t>
+              <a:t>Curiosidades</a:t>
             </a:r>
             <a:endParaRPr>
               <a:latin typeface="Arial"/>
@@ -9472,7 +9189,199 @@
       </p:sp>
       <p:sp>
         <p:nvSpPr>
-          <p:cNvPr id="177" name="Google Shape;177;p25"/>
+          <p:cNvPr id="170" name="Google Shape;170;p24"/>
+          <p:cNvSpPr txBox="1"/>
+          <p:nvPr>
+            <p:ph idx="1" type="body"/>
+          </p:nvPr>
+        </p:nvSpPr>
+        <p:spPr>
+          <a:xfrm>
+            <a:off x="61925" y="1339825"/>
+            <a:ext cx="4831200" cy="3654600"/>
+          </a:xfrm>
+          <a:prstGeom prst="rect">
+            <a:avLst/>
+          </a:prstGeom>
+        </p:spPr>
+        <p:txBody>
+          <a:bodyPr anchorCtr="0" anchor="t" bIns="91425" lIns="91425" spcFirstLastPara="1" rIns="91425" wrap="square" tIns="91425">
+            <a:normAutofit/>
+          </a:bodyPr>
+          <a:lstStyle/>
+          <a:p>
+            <a:pPr indent="-311150" lvl="0" marL="457200" marR="0" rtl="0" algn="l">
+              <a:lnSpc>
+                <a:spcPct val="115000"/>
+              </a:lnSpc>
+              <a:spcBef>
+                <a:spcPts val="0"/>
+              </a:spcBef>
+              <a:spcAft>
+                <a:spcPts val="0"/>
+              </a:spcAft>
+              <a:buSzPts val="1300"/>
+              <a:buChar char="●"/>
+            </a:pPr>
+            <a:r>
+              <a:rPr lang="pt-BR"/>
+              <a:t>O pagamento é feito ao fornecedor apenas após o recebimento, uma vez que h</a:t>
+            </a:r>
+            <a:r>
+              <a:rPr lang="pt-BR"/>
+              <a:t>á </a:t>
+            </a:r>
+            <a:r>
+              <a:rPr lang="pt-BR"/>
+              <a:t>a possibilidade de haver itens danificados ou fora da validade e cabe à pr</a:t>
+            </a:r>
+            <a:r>
+              <a:rPr lang="pt-BR"/>
+              <a:t>ópria operação decidir quais itens serão aceitos.</a:t>
+            </a:r>
+            <a:endParaRPr/>
+          </a:p>
+          <a:p>
+            <a:pPr indent="0" lvl="0" marL="457200" marR="0" rtl="0" algn="l">
+              <a:lnSpc>
+                <a:spcPct val="115000"/>
+              </a:lnSpc>
+              <a:spcBef>
+                <a:spcPts val="1200"/>
+              </a:spcBef>
+              <a:spcAft>
+                <a:spcPts val="0"/>
+              </a:spcAft>
+              <a:buNone/>
+            </a:pPr>
+            <a:r>
+              <a:t/>
+            </a:r>
+            <a:endParaRPr/>
+          </a:p>
+          <a:p>
+            <a:pPr indent="-311150" lvl="0" marL="457200" marR="0" rtl="0" algn="l">
+              <a:lnSpc>
+                <a:spcPct val="115000"/>
+              </a:lnSpc>
+              <a:spcBef>
+                <a:spcPts val="1200"/>
+              </a:spcBef>
+              <a:spcAft>
+                <a:spcPts val="0"/>
+              </a:spcAft>
+              <a:buSzPts val="1300"/>
+              <a:buChar char="●"/>
+            </a:pPr>
+            <a:r>
+              <a:rPr lang="pt-BR"/>
+              <a:t>Muitos estoques log</a:t>
+            </a:r>
+            <a:r>
+              <a:rPr lang="pt-BR"/>
+              <a:t>ísticos usam a nomenclatura das posições semelhante a rua de cidades planejadas:</a:t>
+            </a:r>
+            <a:endParaRPr/>
+          </a:p>
+          <a:p>
+            <a:pPr indent="0" lvl="0" marL="457200" marR="0" rtl="0" algn="l">
+              <a:lnSpc>
+                <a:spcPct val="115000"/>
+              </a:lnSpc>
+              <a:spcBef>
+                <a:spcPts val="1200"/>
+              </a:spcBef>
+              <a:spcAft>
+                <a:spcPts val="1200"/>
+              </a:spcAft>
+              <a:buNone/>
+            </a:pPr>
+            <a:r>
+              <a:rPr lang="pt-BR"/>
+              <a:t>Ex: B21_2, onde B é uma fileira de prateleiras, 21 é o número da estante na fileira ( há um lado par e um lado ímpar ). Já o número final mostra a altura do item, sendo 1, a posição mais baixa possível, até n, dependendo da altura da estante.</a:t>
+            </a:r>
+            <a:endParaRPr/>
+          </a:p>
+        </p:txBody>
+      </p:sp>
+    </p:spTree>
+  </p:cSld>
+  <p:clrMapOvr>
+    <a:masterClrMapping/>
+  </p:clrMapOvr>
+</p:sld>
+</file>
+
+<file path=ppt/slides/slide13.xml><?xml version="1.0" encoding="utf-8"?>
+<p:sld xmlns:a="http://schemas.openxmlformats.org/drawingml/2006/main" xmlns:r="http://schemas.openxmlformats.org/officeDocument/2006/relationships" xmlns:mc="http://schemas.openxmlformats.org/markup-compatibility/2006" xmlns:mv="urn:schemas-microsoft-com:mac:vml" xmlns:p="http://schemas.openxmlformats.org/presentationml/2006/main" xmlns:c="http://schemas.openxmlformats.org/drawingml/2006/chart" xmlns:dgm="http://schemas.openxmlformats.org/drawingml/2006/diagram" xmlns:o="urn:schemas-microsoft-com:office:office" xmlns:v="urn:schemas-microsoft-com:vml" xmlns:pvml="urn:schemas-microsoft-com:office:powerpoint" xmlns:com="http://schemas.openxmlformats.org/drawingml/2006/compatibility" xmlns:p14="http://schemas.microsoft.com/office/powerpoint/2010/main" xmlns:p15="http://schemas.microsoft.com/office/powerpoint/2012/main" xmlns:ahyp="http://schemas.microsoft.com/office/drawing/2018/hyperlinkcolor">
+  <p:cSld>
+    <p:spTree>
+      <p:nvGrpSpPr>
+        <p:cNvPr id="174" name="Shape 174"/>
+        <p:cNvGrpSpPr/>
+        <p:nvPr/>
+      </p:nvGrpSpPr>
+      <p:grpSpPr>
+        <a:xfrm>
+          <a:off x="0" y="0"/>
+          <a:ext cx="0" cy="0"/>
+          <a:chOff x="0" y="0"/>
+          <a:chExt cx="0" cy="0"/>
+        </a:xfrm>
+      </p:grpSpPr>
+      <p:sp>
+        <p:nvSpPr>
+          <p:cNvPr id="175" name="Google Shape;175;p25"/>
+          <p:cNvSpPr txBox="1"/>
+          <p:nvPr>
+            <p:ph type="title"/>
+          </p:nvPr>
+        </p:nvSpPr>
+        <p:spPr>
+          <a:xfrm>
+            <a:off x="729450" y="556650"/>
+            <a:ext cx="7688700" cy="535200"/>
+          </a:xfrm>
+          <a:prstGeom prst="rect">
+            <a:avLst/>
+          </a:prstGeom>
+        </p:spPr>
+        <p:txBody>
+          <a:bodyPr anchorCtr="0" anchor="t" bIns="91425" lIns="91425" spcFirstLastPara="1" rIns="91425" wrap="square" tIns="91425">
+            <a:normAutofit fontScale="90000"/>
+          </a:bodyPr>
+          <a:lstStyle/>
+          <a:p>
+            <a:pPr indent="0" lvl="0" marL="0" rtl="0" algn="l">
+              <a:spcBef>
+                <a:spcPts val="0"/>
+              </a:spcBef>
+              <a:spcAft>
+                <a:spcPts val="0"/>
+              </a:spcAft>
+              <a:buNone/>
+            </a:pPr>
+            <a:r>
+              <a:rPr lang="pt-BR">
+                <a:latin typeface="Arial"/>
+                <a:ea typeface="Arial"/>
+                <a:cs typeface="Arial"/>
+                <a:sym typeface="Arial"/>
+              </a:rPr>
+              <a:t>Exemplos</a:t>
+            </a:r>
+            <a:endParaRPr>
+              <a:latin typeface="Arial"/>
+              <a:ea typeface="Arial"/>
+              <a:cs typeface="Arial"/>
+              <a:sym typeface="Arial"/>
+            </a:endParaRPr>
+          </a:p>
+        </p:txBody>
+      </p:sp>
+      <p:sp>
+        <p:nvSpPr>
+          <p:cNvPr id="176" name="Google Shape;176;p25"/>
           <p:cNvSpPr txBox="1"/>
           <p:nvPr>
             <p:ph idx="1" type="body"/>
@@ -9751,13 +9660,13 @@
       </p:sp>
       <p:sp>
         <p:nvSpPr>
-          <p:cNvPr id="178" name="Google Shape;178;p25"/>
+          <p:cNvPr id="177" name="Google Shape;177;p25"/>
           <p:cNvSpPr txBox="1"/>
           <p:nvPr/>
         </p:nvSpPr>
         <p:spPr>
           <a:xfrm>
-            <a:off x="4985250" y="1568425"/>
+            <a:off x="4985250" y="1492225"/>
             <a:ext cx="3432900" cy="3386400"/>
           </a:xfrm>
           <a:prstGeom prst="rect">
@@ -9848,7 +9757,7 @@
                 <a:cs typeface="Lato"/>
                 <a:sym typeface="Lato"/>
               </a:rPr>
-              <a:t>Em seguida, é feito o recebimento completo dos dois primeiros, já o segundo é recebido parcialmente. Dessa forma, as 20 unidades que não foram recebidas são devolvidas ao fornecedor</a:t>
+              <a:t>Em seguida, é feito o recebimento completo dos dois primeiros, já o segundo é recebido parcialmente. Dessa forma, as 20 unidades que não foram recebidas são devolvidas ao fornecedor e não podem ser mais recebidas.</a:t>
             </a:r>
             <a:endParaRPr sz="1300">
               <a:solidFill>
@@ -9903,7 +9812,7 @@
                 <a:cs typeface="Lato"/>
                 <a:sym typeface="Lato"/>
               </a:rPr>
-              <a:t>Por fim,  os itens recebidos são alocados</a:t>
+              <a:t>Então,  os itens recebidos são alocados,</a:t>
             </a:r>
             <a:endParaRPr sz="1300">
               <a:solidFill>
@@ -9935,7 +9844,31 @@
                 <a:cs typeface="Lato"/>
                 <a:sym typeface="Lato"/>
               </a:rPr>
-              <a:t>o valor total do estoque de 12345 é guardado na variavel teste</a:t>
+              <a:t>o valor total do estoque do item 12345 é guardado na </a:t>
+            </a:r>
+            <a:r>
+              <a:rPr lang="pt-BR" sz="1300">
+                <a:solidFill>
+                  <a:schemeClr val="accent1"/>
+                </a:solidFill>
+                <a:latin typeface="Lato"/>
+                <a:ea typeface="Lato"/>
+                <a:cs typeface="Lato"/>
+                <a:sym typeface="Lato"/>
+              </a:rPr>
+              <a:t>variável</a:t>
+            </a:r>
+            <a:r>
+              <a:rPr lang="pt-BR" sz="1300">
+                <a:solidFill>
+                  <a:schemeClr val="accent1"/>
+                </a:solidFill>
+                <a:latin typeface="Lato"/>
+                <a:ea typeface="Lato"/>
+                <a:cs typeface="Lato"/>
+                <a:sym typeface="Lato"/>
+              </a:rPr>
+              <a:t> teste</a:t>
             </a:r>
             <a:endParaRPr sz="1300">
               <a:solidFill>
@@ -9990,7 +9923,31 @@
                 <a:cs typeface="Lato"/>
                 <a:sym typeface="Lato"/>
               </a:rPr>
-              <a:t>E é printada a posíção A1 do estoque</a:t>
+              <a:t>E é printada a </a:t>
+            </a:r>
+            <a:r>
+              <a:rPr lang="pt-BR" sz="1300">
+                <a:solidFill>
+                  <a:schemeClr val="accent1"/>
+                </a:solidFill>
+                <a:latin typeface="Lato"/>
+                <a:ea typeface="Lato"/>
+                <a:cs typeface="Lato"/>
+                <a:sym typeface="Lato"/>
+              </a:rPr>
+              <a:t>posição</a:t>
+            </a:r>
+            <a:r>
+              <a:rPr lang="pt-BR" sz="1300">
+                <a:solidFill>
+                  <a:schemeClr val="accent1"/>
+                </a:solidFill>
+                <a:latin typeface="Lato"/>
+                <a:ea typeface="Lato"/>
+                <a:cs typeface="Lato"/>
+                <a:sym typeface="Lato"/>
+              </a:rPr>
+              <a:t> A1 do estoque</a:t>
             </a:r>
             <a:endParaRPr sz="1300">
               <a:solidFill>
@@ -10259,14 +10216,20 @@
               <a:buNone/>
             </a:pPr>
             <a:r>
-              <a:rPr lang="pt-BR"/>
-              <a:t>Caracter</a:t>
-            </a:r>
-            <a:r>
-              <a:rPr lang="pt-BR"/>
-              <a:t>ísticas</a:t>
-            </a:r>
-            <a:endParaRPr/>
+              <a:rPr lang="pt-BR">
+                <a:latin typeface="Arial"/>
+                <a:ea typeface="Arial"/>
+                <a:cs typeface="Arial"/>
+                <a:sym typeface="Arial"/>
+              </a:rPr>
+              <a:t>Características</a:t>
+            </a:r>
+            <a:endParaRPr>
+              <a:latin typeface="Arial"/>
+              <a:ea typeface="Arial"/>
+              <a:cs typeface="Arial"/>
+              <a:sym typeface="Arial"/>
+            </a:endParaRPr>
           </a:p>
         </p:txBody>
       </p:sp>
@@ -10298,17 +10261,13 @@
                 <a:spcPts val="0"/>
               </a:spcBef>
               <a:spcAft>
-                <a:spcPts val="1200"/>
+                <a:spcPts val="0"/>
               </a:spcAft>
               <a:buNone/>
             </a:pPr>
             <a:r>
               <a:rPr lang="pt-BR"/>
-              <a:t>O processo de controle de fluxo log</a:t>
-            </a:r>
-            <a:r>
-              <a:rPr lang="pt-BR"/>
-              <a:t>ístico pode ser dividido em </a:t>
+              <a:t>O processo de controle de fluxo logístico pode ser dividido em </a:t>
             </a:r>
             <a:r>
               <a:rPr b="1" lang="pt-BR"/>
@@ -10316,7 +10275,27 @@
             </a:r>
             <a:r>
               <a:rPr lang="pt-BR"/>
-              <a:t>, que foram desenvolvidas na linguagem criada</a:t>
+              <a:t>, que foram desenvolvidas na linguagem criada;</a:t>
+            </a:r>
+            <a:endParaRPr/>
+          </a:p>
+          <a:p>
+            <a:pPr indent="0" lvl="0" marL="0" rtl="0" algn="l">
+              <a:spcBef>
+                <a:spcPts val="1200"/>
+              </a:spcBef>
+              <a:spcAft>
+                <a:spcPts val="1200"/>
+              </a:spcAft>
+              <a:buNone/>
+            </a:pPr>
+            <a:r>
+              <a:rPr lang="pt-BR"/>
+              <a:t>As etapas foram listadas nos slides seguintes, seguida da sua representaç</a:t>
+            </a:r>
+            <a:r>
+              <a:rPr lang="pt-BR"/>
+              <a:t>ão na processo logístico.</a:t>
             </a:r>
             <a:endParaRPr/>
           </a:p>
@@ -10414,7 +10393,7 @@
                 <a:cs typeface="Arial"/>
                 <a:sym typeface="Arial"/>
               </a:rPr>
-              <a:t>Características</a:t>
+              <a:t>Etapa 1: Entrada</a:t>
             </a:r>
             <a:endParaRPr>
               <a:latin typeface="Arial"/>
@@ -10436,7 +10415,7 @@
         <p:spPr>
           <a:xfrm>
             <a:off x="61925" y="1339825"/>
-            <a:ext cx="3841800" cy="3654600"/>
+            <a:ext cx="4306800" cy="3654600"/>
           </a:xfrm>
           <a:prstGeom prst="rect">
             <a:avLst/>
@@ -10459,15 +10438,31 @@
             </a:pPr>
             <a:r>
               <a:rPr lang="pt-BR"/>
-              <a:t>O processo de controle de fluxo logístico pode ser dividido em </a:t>
+              <a:t>A </a:t>
             </a:r>
             <a:r>
               <a:rPr b="1" lang="pt-BR"/>
-              <a:t>5 etapas macros</a:t>
+              <a:t>primeira etapa</a:t>
             </a:r>
             <a:r>
               <a:rPr lang="pt-BR"/>
-              <a:t>, que foram desenvolvidas na linguagem criada;</a:t>
+              <a:t> consiste na </a:t>
+            </a:r>
+            <a:r>
+              <a:rPr b="1" lang="pt-BR"/>
+              <a:t>entrada </a:t>
+            </a:r>
+            <a:r>
+              <a:rPr lang="pt-BR"/>
+              <a:t>de produtos na cadeia </a:t>
+            </a:r>
+            <a:r>
+              <a:rPr lang="pt-BR"/>
+              <a:t>logística</a:t>
+            </a:r>
+            <a:r>
+              <a:rPr lang="pt-BR"/>
+              <a:t>. Como por exemplo, um caminhão depositando os itens no galpão.</a:t>
             </a:r>
             <a:endParaRPr/>
           </a:p>
@@ -10477,17 +10472,137 @@
                 <a:spcPts val="1200"/>
               </a:spcBef>
               <a:spcAft>
+                <a:spcPts val="0"/>
+              </a:spcAft>
+              <a:buNone/>
+            </a:pPr>
+            <a:r>
+              <a:rPr lang="pt-BR"/>
+              <a:t>Essa entrada foi representada pelo STATEMENT:</a:t>
+            </a:r>
+            <a:endParaRPr/>
+          </a:p>
+          <a:p>
+            <a:pPr indent="0" lvl="0" marL="0" rtl="0" algn="l">
+              <a:spcBef>
                 <a:spcPts val="1200"/>
+              </a:spcBef>
+              <a:spcAft>
+                <a:spcPts val="0"/>
+              </a:spcAft>
+              <a:buNone/>
+            </a:pPr>
+            <a:r>
+              <a:rPr lang="pt-BR" sz="1000"/>
+              <a:t> "(",NOME, ",", SKU, ")", "=", "(", EXPRESSION, ",",</a:t>
+            </a:r>
+            <a:r>
+              <a:rPr lang="pt-BR" sz="1000"/>
+              <a:t> </a:t>
+            </a:r>
+            <a:r>
+              <a:rPr lang="pt-BR" sz="1000"/>
+              <a:t>DATA_VALIDADE, ")”</a:t>
+            </a:r>
+            <a:endParaRPr sz="1000"/>
+          </a:p>
+          <a:p>
+            <a:pPr indent="0" lvl="0" marL="0" rtl="0" algn="l">
+              <a:spcBef>
+                <a:spcPts val="1200"/>
+              </a:spcBef>
+              <a:spcAft>
+                <a:spcPts val="0"/>
               </a:spcAft>
               <a:buNone/>
             </a:pPr>
             <a:r>
               <a:rPr lang="pt-BR"/>
-              <a:t>As etapas foram listadas nos slides seguintes, seguida da sua representaç</a:t>
+              <a:t>Assim, cada produto que dá entrada na cadeia logística é atrelado a algumas informações:</a:t>
+            </a:r>
+            <a:endParaRPr/>
+          </a:p>
+          <a:p>
+            <a:pPr indent="-311150" lvl="0" marL="457200" rtl="0" algn="l">
+              <a:spcBef>
+                <a:spcPts val="1200"/>
+              </a:spcBef>
+              <a:spcAft>
+                <a:spcPts val="0"/>
+              </a:spcAft>
+              <a:buSzPts val="1300"/>
+              <a:buChar char="❖"/>
+            </a:pPr>
+            <a:r>
+              <a:rPr b="1" lang="pt-BR"/>
+              <a:t>Nome</a:t>
             </a:r>
             <a:r>
               <a:rPr lang="pt-BR"/>
-              <a:t>ão na processo logístico.</a:t>
+              <a:t>: Nome do produto</a:t>
+            </a:r>
+            <a:endParaRPr/>
+          </a:p>
+          <a:p>
+            <a:pPr indent="-311150" lvl="0" marL="457200" rtl="0" algn="l">
+              <a:spcBef>
+                <a:spcPts val="0"/>
+              </a:spcBef>
+              <a:spcAft>
+                <a:spcPts val="0"/>
+              </a:spcAft>
+              <a:buSzPts val="1300"/>
+              <a:buChar char="❖"/>
+            </a:pPr>
+            <a:r>
+              <a:rPr b="1" lang="pt-BR"/>
+              <a:t>Sku</a:t>
+            </a:r>
+            <a:r>
+              <a:rPr lang="pt-BR"/>
+              <a:t>: Identificador único</a:t>
+            </a:r>
+            <a:endParaRPr/>
+          </a:p>
+          <a:p>
+            <a:pPr indent="-311150" lvl="0" marL="457200" rtl="0" algn="l">
+              <a:spcBef>
+                <a:spcPts val="0"/>
+              </a:spcBef>
+              <a:spcAft>
+                <a:spcPts val="0"/>
+              </a:spcAft>
+              <a:buSzPts val="1300"/>
+              <a:buChar char="❖"/>
+            </a:pPr>
+            <a:r>
+              <a:rPr b="1" lang="pt-BR"/>
+              <a:t>Quantidade</a:t>
+            </a:r>
+            <a:r>
+              <a:rPr lang="pt-BR"/>
+              <a:t>: Representado pelo Expression</a:t>
+            </a:r>
+            <a:endParaRPr/>
+          </a:p>
+          <a:p>
+            <a:pPr indent="-311150" lvl="0" marL="457200" rtl="0" algn="l">
+              <a:spcBef>
+                <a:spcPts val="0"/>
+              </a:spcBef>
+              <a:spcAft>
+                <a:spcPts val="0"/>
+              </a:spcAft>
+              <a:buSzPts val="1300"/>
+              <a:buChar char="❖"/>
+            </a:pPr>
+            <a:r>
+              <a:rPr b="1" lang="pt-BR"/>
+              <a:t>Data de validade</a:t>
+            </a:r>
+            <a:r>
+              <a:rPr lang="pt-BR"/>
+              <a:t>: Data de validade do item</a:t>
             </a:r>
             <a:endParaRPr/>
           </a:p>
@@ -10521,6 +10636,58 @@
           </a:ln>
         </p:spPr>
       </p:pic>
+      <p:sp>
+        <p:nvSpPr>
+          <p:cNvPr id="109" name="Google Shape;109;p16"/>
+          <p:cNvSpPr/>
+          <p:nvPr/>
+        </p:nvSpPr>
+        <p:spPr>
+          <a:xfrm>
+            <a:off x="5140300" y="916600"/>
+            <a:ext cx="1254000" cy="1209900"/>
+          </a:xfrm>
+          <a:prstGeom prst="ellipse">
+            <a:avLst/>
+          </a:prstGeom>
+          <a:noFill/>
+          <a:ln cap="flat" cmpd="sng" w="38100">
+            <a:solidFill>
+              <a:srgbClr val="FF0000"/>
+            </a:solidFill>
+            <a:prstDash val="solid"/>
+            <a:round/>
+            <a:headEnd len="sm" w="sm" type="none"/>
+            <a:tailEnd len="sm" w="sm" type="none"/>
+          </a:ln>
+        </p:spPr>
+        <p:txBody>
+          <a:bodyPr anchorCtr="0" anchor="ctr" bIns="91425" lIns="91425" spcFirstLastPara="1" rIns="91425" wrap="square" tIns="91425">
+            <a:noAutofit/>
+          </a:bodyPr>
+          <a:lstStyle/>
+          <a:p>
+            <a:pPr indent="0" lvl="0" marL="0" rtl="0" algn="ctr">
+              <a:spcBef>
+                <a:spcPts val="0"/>
+              </a:spcBef>
+              <a:spcAft>
+                <a:spcPts val="0"/>
+              </a:spcAft>
+              <a:buNone/>
+            </a:pPr>
+            <a:r>
+              <a:t/>
+            </a:r>
+            <a:endParaRPr>
+              <a:latin typeface="Lato"/>
+              <a:ea typeface="Lato"/>
+              <a:cs typeface="Lato"/>
+              <a:sym typeface="Lato"/>
+            </a:endParaRPr>
+          </a:p>
+        </p:txBody>
+      </p:sp>
     </p:spTree>
   </p:cSld>
   <p:clrMapOvr>
@@ -10534,7 +10701,7 @@
   <p:cSld>
     <p:spTree>
       <p:nvGrpSpPr>
-        <p:cNvPr id="112" name="Shape 112"/>
+        <p:cNvPr id="113" name="Shape 113"/>
         <p:cNvGrpSpPr/>
         <p:nvPr/>
       </p:nvGrpSpPr>
@@ -10548,7 +10715,7 @@
       </p:grpSpPr>
       <p:sp>
         <p:nvSpPr>
-          <p:cNvPr id="113" name="Google Shape;113;p17"/>
+          <p:cNvPr id="114" name="Google Shape;114;p17"/>
           <p:cNvSpPr txBox="1"/>
           <p:nvPr>
             <p:ph type="title"/>
@@ -10585,7 +10752,7 @@
                 <a:cs typeface="Arial"/>
                 <a:sym typeface="Arial"/>
               </a:rPr>
-              <a:t>Etapa 1: Entrada</a:t>
+              <a:t>Etapa 2: Recebimento</a:t>
             </a:r>
             <a:endParaRPr>
               <a:latin typeface="Arial"/>
@@ -10598,7 +10765,7 @@
       </p:sp>
       <p:sp>
         <p:nvSpPr>
-          <p:cNvPr id="114" name="Google Shape;114;p17"/>
+          <p:cNvPr id="115" name="Google Shape;115;p17"/>
           <p:cNvSpPr txBox="1"/>
           <p:nvPr>
             <p:ph idx="1" type="body"/>
@@ -10634,27 +10801,35 @@
             </a:r>
             <a:r>
               <a:rPr b="1" lang="pt-BR"/>
-              <a:t>primeira etapa</a:t>
+              <a:t>segunda etapa </a:t>
             </a:r>
             <a:r>
               <a:rPr lang="pt-BR"/>
-              <a:t> consiste na </a:t>
+              <a:t>é a fase de </a:t>
             </a:r>
             <a:r>
               <a:rPr b="1" lang="pt-BR"/>
-              <a:t>entrada </a:t>
+              <a:t>recebimento</a:t>
             </a:r>
             <a:r>
               <a:rPr lang="pt-BR"/>
-              <a:t>de produtos na cadeia </a:t>
+              <a:t> dos itens da entrada. Nessa etapa, é feito o controle de qualidade dos itens entregues, </a:t>
+            </a:r>
+            <a:r>
+              <a:rPr b="1" lang="pt-BR"/>
+              <a:t>caso um item não seja recebido ele será devolvido</a:t>
             </a:r>
             <a:r>
               <a:rPr lang="pt-BR"/>
-              <a:t>logística</a:t>
+              <a:t>. Caso seja </a:t>
+            </a:r>
+            <a:r>
+              <a:rPr b="1" lang="pt-BR"/>
+              <a:t>recebido parcialmente, os demais serão devolvidos</a:t>
             </a:r>
             <a:r>
               <a:rPr lang="pt-BR"/>
-              <a:t>. Como por exemplo, um caminhão depositando os itens no galpão.</a:t>
+              <a:t> para o fornecedor.</a:t>
             </a:r>
             <a:endParaRPr/>
           </a:p>
@@ -10670,7 +10845,15 @@
             </a:pPr>
             <a:r>
               <a:rPr lang="pt-BR"/>
-              <a:t>Essa entrada foi representada pelo STATEMENT:</a:t>
+              <a:t>Caso exista dois itens com o mesmo </a:t>
+            </a:r>
+            <a:r>
+              <a:rPr b="1" lang="pt-BR"/>
+              <a:t>SKU, </a:t>
+            </a:r>
+            <a:r>
+              <a:rPr lang="pt-BR"/>
+              <a:t>o recebimento começa pelo item com validade menor.</a:t>
             </a:r>
             <a:endParaRPr/>
           </a:p>
@@ -10685,18 +10868,10 @@
               <a:buNone/>
             </a:pPr>
             <a:r>
-              <a:rPr lang="pt-BR" sz="1000"/>
-              <a:t> "(",NOME, ",", SKU, ")", "=", "(", EXPRESSION, ",",</a:t>
-            </a:r>
-            <a:r>
-              <a:rPr lang="pt-BR" sz="1000"/>
-              <a:t> </a:t>
-            </a:r>
-            <a:r>
-              <a:rPr lang="pt-BR" sz="1000"/>
-              <a:t>DATA_VALIDADE, ")”</a:t>
-            </a:r>
-            <a:endParaRPr sz="1000"/>
+              <a:rPr lang="pt-BR"/>
+              <a:t>No código, isso ficou representado pelo:</a:t>
+            </a:r>
+            <a:endParaRPr/>
           </a:p>
           <a:p>
             <a:pPr indent="0" lvl="0" marL="0" rtl="0" algn="l">
@@ -10710,91 +10885,23 @@
             </a:pPr>
             <a:r>
               <a:rPr lang="pt-BR"/>
-              <a:t>Assim, cada produto que dá entrada na cadeia logística é atrelado a algumas informações:</a:t>
+              <a:t>"receber", "(", SKU, ",", EXPRESSION, ")";</a:t>
             </a:r>
             <a:endParaRPr/>
           </a:p>
           <a:p>
-            <a:pPr indent="-311150" lvl="0" marL="457200" rtl="0" algn="l">
+            <a:pPr indent="0" lvl="0" marL="0" rtl="0" algn="l">
               <a:spcBef>
                 <a:spcPts val="1200"/>
               </a:spcBef>
               <a:spcAft>
-                <a:spcPts val="0"/>
-              </a:spcAft>
-              <a:buSzPts val="1300"/>
-              <a:buChar char="❖"/>
-            </a:pPr>
-            <a:r>
-              <a:rPr b="1" lang="pt-BR"/>
-              <a:t>Nome</a:t>
-            </a:r>
+                <a:spcPts val="1200"/>
+              </a:spcAft>
+              <a:buNone/>
+            </a:pPr>
             <a:r>
               <a:rPr lang="pt-BR"/>
-              <a:t>: Nome do produto</a:t>
-            </a:r>
-            <a:endParaRPr/>
-          </a:p>
-          <a:p>
-            <a:pPr indent="-311150" lvl="0" marL="457200" rtl="0" algn="l">
-              <a:spcBef>
-                <a:spcPts val="0"/>
-              </a:spcBef>
-              <a:spcAft>
-                <a:spcPts val="0"/>
-              </a:spcAft>
-              <a:buSzPts val="1300"/>
-              <a:buChar char="❖"/>
-            </a:pPr>
-            <a:r>
-              <a:rPr b="1" lang="pt-BR"/>
-              <a:t>Sku</a:t>
-            </a:r>
-            <a:r>
-              <a:rPr lang="pt-BR"/>
-              <a:t>: Identificador único</a:t>
-            </a:r>
-            <a:endParaRPr/>
-          </a:p>
-          <a:p>
-            <a:pPr indent="-311150" lvl="0" marL="457200" rtl="0" algn="l">
-              <a:spcBef>
-                <a:spcPts val="0"/>
-              </a:spcBef>
-              <a:spcAft>
-                <a:spcPts val="0"/>
-              </a:spcAft>
-              <a:buSzPts val="1300"/>
-              <a:buChar char="❖"/>
-            </a:pPr>
-            <a:r>
-              <a:rPr b="1" lang="pt-BR"/>
-              <a:t>Quantidade</a:t>
-            </a:r>
-            <a:r>
-              <a:rPr lang="pt-BR"/>
-              <a:t>: Representado pelo Expression</a:t>
-            </a:r>
-            <a:endParaRPr/>
-          </a:p>
-          <a:p>
-            <a:pPr indent="-311150" lvl="0" marL="457200" rtl="0" algn="l">
-              <a:spcBef>
-                <a:spcPts val="0"/>
-              </a:spcBef>
-              <a:spcAft>
-                <a:spcPts val="0"/>
-              </a:spcAft>
-              <a:buSzPts val="1300"/>
-              <a:buChar char="❖"/>
-            </a:pPr>
-            <a:r>
-              <a:rPr b="1" lang="pt-BR"/>
-              <a:t>Data de validade</a:t>
-            </a:r>
-            <a:r>
-              <a:rPr lang="pt-BR"/>
-              <a:t>: Data de validade do item</a:t>
+              <a:t>Onde é possível receber determinado SKU, seguido de determinada quantidade.</a:t>
             </a:r>
             <a:endParaRPr/>
           </a:p>
@@ -10802,7 +10909,7 @@
       </p:sp>
       <p:pic>
         <p:nvPicPr>
-          <p:cNvPr id="115" name="Google Shape;115;p17"/>
+          <p:cNvPr id="116" name="Google Shape;116;p17"/>
           <p:cNvPicPr preferRelativeResize="0"/>
           <p:nvPr/>
         </p:nvPicPr>
@@ -10830,13 +10937,13 @@
       </p:pic>
       <p:sp>
         <p:nvSpPr>
-          <p:cNvPr id="116" name="Google Shape;116;p17"/>
+          <p:cNvPr id="117" name="Google Shape;117;p17"/>
           <p:cNvSpPr/>
           <p:nvPr/>
         </p:nvSpPr>
         <p:spPr>
           <a:xfrm>
-            <a:off x="5140300" y="916600"/>
+            <a:off x="6880600" y="1208675"/>
             <a:ext cx="1254000" cy="1209900"/>
           </a:xfrm>
           <a:prstGeom prst="ellipse">
@@ -10893,7 +11000,7 @@
   <p:cSld>
     <p:spTree>
       <p:nvGrpSpPr>
-        <p:cNvPr id="120" name="Shape 120"/>
+        <p:cNvPr id="121" name="Shape 121"/>
         <p:cNvGrpSpPr/>
         <p:nvPr/>
       </p:nvGrpSpPr>
@@ -10907,7 +11014,7 @@
       </p:grpSpPr>
       <p:sp>
         <p:nvSpPr>
-          <p:cNvPr id="121" name="Google Shape;121;p18"/>
+          <p:cNvPr id="122" name="Google Shape;122;p18"/>
           <p:cNvSpPr txBox="1"/>
           <p:nvPr>
             <p:ph type="title"/>
@@ -10944,7 +11051,16 @@
                 <a:cs typeface="Arial"/>
                 <a:sym typeface="Arial"/>
               </a:rPr>
-              <a:t>Etapa 2: Recebimento</a:t>
+              <a:t>Etapa 3: Alocaç</a:t>
+            </a:r>
+            <a:r>
+              <a:rPr lang="pt-BR">
+                <a:latin typeface="Arial"/>
+                <a:ea typeface="Arial"/>
+                <a:cs typeface="Arial"/>
+                <a:sym typeface="Arial"/>
+              </a:rPr>
+              <a:t>ão</a:t>
             </a:r>
             <a:endParaRPr>
               <a:latin typeface="Arial"/>
@@ -10957,7 +11073,7 @@
       </p:sp>
       <p:sp>
         <p:nvSpPr>
-          <p:cNvPr id="122" name="Google Shape;122;p18"/>
+          <p:cNvPr id="123" name="Google Shape;123;p18"/>
           <p:cNvSpPr txBox="1"/>
           <p:nvPr>
             <p:ph idx="1" type="body"/>
@@ -10989,39 +11105,67 @@
             </a:pPr>
             <a:r>
               <a:rPr lang="pt-BR"/>
-              <a:t>A </a:t>
+              <a:t>Ap</a:t>
+            </a:r>
+            <a:r>
+              <a:rPr lang="pt-BR"/>
+              <a:t>ós ser recebido, o item terá de fato entrado na cadeia logística. Perceba que nessa etapa, o item ainda não possui nenhuma posição no estoque. Por isso, é preciso </a:t>
             </a:r>
             <a:r>
               <a:rPr b="1" lang="pt-BR"/>
-              <a:t>segunda etapa </a:t>
+              <a:t>alocar </a:t>
             </a:r>
             <a:r>
               <a:rPr lang="pt-BR"/>
-              <a:t>é a fase de </a:t>
-            </a:r>
-            <a:r>
-              <a:rPr b="1" lang="pt-BR"/>
-              <a:t>recebimento</a:t>
-            </a:r>
+              <a:t>os itens aprovados ( recebidos) em uma posição.</a:t>
+            </a:r>
+            <a:endParaRPr/>
+          </a:p>
+          <a:p>
+            <a:pPr indent="0" lvl="0" marL="0" rtl="0" algn="l">
+              <a:spcBef>
+                <a:spcPts val="1200"/>
+              </a:spcBef>
+              <a:spcAft>
+                <a:spcPts val="0"/>
+              </a:spcAft>
+              <a:buNone/>
+            </a:pPr>
             <a:r>
               <a:rPr lang="pt-BR"/>
-              <a:t> dos itens da entrada. Nessa etapa, é feito o controle de qualidade dos itens entregues, </a:t>
-            </a:r>
-            <a:r>
-              <a:rPr b="1" lang="pt-BR"/>
-              <a:t>caso um item não seja recebido ele será devolvido</a:t>
-            </a:r>
+              <a:t>No código foi feito o Statement:</a:t>
+            </a:r>
+            <a:endParaRPr/>
+          </a:p>
+          <a:p>
+            <a:pPr indent="0" lvl="0" marL="0" rtl="0" algn="l">
+              <a:spcBef>
+                <a:spcPts val="1200"/>
+              </a:spcBef>
+              <a:spcAft>
+                <a:spcPts val="0"/>
+              </a:spcAft>
+              <a:buNone/>
+            </a:pPr>
+            <a:r>
+              <a:rPr lang="pt-BR" sz="1200"/>
+              <a:t>"alocar", "(", SKU, ",", EXPRESSION, ",", POSICAO, ")";</a:t>
+            </a:r>
+            <a:endParaRPr sz="1200"/>
+          </a:p>
+          <a:p>
+            <a:pPr indent="0" lvl="0" marL="0" rtl="0" algn="l">
+              <a:spcBef>
+                <a:spcPts val="1200"/>
+              </a:spcBef>
+              <a:spcAft>
+                <a:spcPts val="0"/>
+              </a:spcAft>
+              <a:buNone/>
+            </a:pPr>
             <a:r>
               <a:rPr lang="pt-BR"/>
-              <a:t>. Caso seja </a:t>
-            </a:r>
-            <a:r>
-              <a:rPr b="1" lang="pt-BR"/>
-              <a:t>recebido parcialmente, os demais serão devolvidos</a:t>
-            </a:r>
-            <a:r>
-              <a:rPr lang="pt-BR"/>
-              <a:t> para o fornecedor.</a:t>
+              <a:t>Após essa etapa, determinada quantia do SKU que estava sem posição após ser recebido, será armazenada em uma posição.</a:t>
             </a:r>
             <a:endParaRPr/>
           </a:p>
@@ -11031,77 +11175,21 @@
                 <a:spcPts val="1200"/>
               </a:spcBef>
               <a:spcAft>
-                <a:spcPts val="0"/>
-              </a:spcAft>
-              <a:buNone/>
-            </a:pPr>
-            <a:r>
-              <a:rPr lang="pt-BR"/>
-              <a:t>Caso exista dois itens com o mesmo </a:t>
-            </a:r>
-            <a:r>
-              <a:rPr b="1" lang="pt-BR"/>
-              <a:t>SKU, </a:t>
-            </a:r>
-            <a:r>
-              <a:rPr lang="pt-BR"/>
-              <a:t>o recebimento começa pelo item com validade menor.</a:t>
-            </a:r>
-            <a:endParaRPr/>
-          </a:p>
-          <a:p>
-            <a:pPr indent="0" lvl="0" marL="0" rtl="0" algn="l">
-              <a:spcBef>
                 <a:spcPts val="1200"/>
-              </a:spcBef>
-              <a:spcAft>
-                <a:spcPts val="0"/>
-              </a:spcAft>
-              <a:buNone/>
-            </a:pPr>
-            <a:r>
-              <a:rPr lang="pt-BR"/>
-              <a:t>No código, isso ficou representado pelo:</a:t>
-            </a:r>
-            <a:endParaRPr/>
-          </a:p>
-          <a:p>
-            <a:pPr indent="0" lvl="0" marL="0" rtl="0" algn="l">
-              <a:spcBef>
-                <a:spcPts val="1200"/>
-              </a:spcBef>
-              <a:spcAft>
-                <a:spcPts val="0"/>
-              </a:spcAft>
-              <a:buNone/>
-            </a:pPr>
-            <a:r>
-              <a:rPr lang="pt-BR"/>
-              <a:t>"receber", "(", SKU, ",", EXPRESSION, ")";</a:t>
-            </a:r>
-            <a:endParaRPr/>
-          </a:p>
-          <a:p>
-            <a:pPr indent="0" lvl="0" marL="0" rtl="0" algn="l">
-              <a:spcBef>
-                <a:spcPts val="1200"/>
-              </a:spcBef>
-              <a:spcAft>
-                <a:spcPts val="1200"/>
-              </a:spcAft>
-              <a:buNone/>
-            </a:pPr>
-            <a:r>
-              <a:rPr lang="pt-BR"/>
-              <a:t>Onde é possível receber determinado SKU, seguido de determinada quantidade.</a:t>
-            </a:r>
-            <a:endParaRPr/>
+              </a:spcAft>
+              <a:buNone/>
+            </a:pPr>
+            <a:r>
+              <a:rPr lang="pt-BR" sz="1200"/>
+              <a:t>Obs: No código, caso determinada posição ainda não tivesse sido usada, o código irá criar a posição vazia e armazenar o item. Caso contrário irá fazer um append e adicionar o item à posição.</a:t>
+            </a:r>
+            <a:endParaRPr sz="1200"/>
           </a:p>
         </p:txBody>
       </p:sp>
       <p:pic>
         <p:nvPicPr>
-          <p:cNvPr id="123" name="Google Shape;123;p18"/>
+          <p:cNvPr id="124" name="Google Shape;124;p18"/>
           <p:cNvPicPr preferRelativeResize="0"/>
           <p:nvPr/>
         </p:nvPicPr>
@@ -11129,14 +11217,14 @@
       </p:pic>
       <p:sp>
         <p:nvSpPr>
-          <p:cNvPr id="124" name="Google Shape;124;p18"/>
+          <p:cNvPr id="125" name="Google Shape;125;p18"/>
           <p:cNvSpPr/>
           <p:nvPr/>
         </p:nvSpPr>
         <p:spPr>
           <a:xfrm>
-            <a:off x="6880600" y="1208675"/>
-            <a:ext cx="1254000" cy="1209900"/>
+            <a:off x="7185400" y="2961275"/>
+            <a:ext cx="1121700" cy="1133100"/>
           </a:xfrm>
           <a:prstGeom prst="ellipse">
             <a:avLst/>
@@ -11192,7 +11280,7 @@
   <p:cSld>
     <p:spTree>
       <p:nvGrpSpPr>
-        <p:cNvPr id="128" name="Shape 128"/>
+        <p:cNvPr id="129" name="Shape 129"/>
         <p:cNvGrpSpPr/>
         <p:nvPr/>
       </p:nvGrpSpPr>
@@ -11206,7 +11294,7 @@
       </p:grpSpPr>
       <p:sp>
         <p:nvSpPr>
-          <p:cNvPr id="129" name="Google Shape;129;p19"/>
+          <p:cNvPr id="130" name="Google Shape;130;p19"/>
           <p:cNvSpPr txBox="1"/>
           <p:nvPr>
             <p:ph type="title"/>
@@ -11243,7 +11331,7 @@
                 <a:cs typeface="Arial"/>
                 <a:sym typeface="Arial"/>
               </a:rPr>
-              <a:t>Etapa 3: Alocaç</a:t>
+              <a:t>Etapa 4: Movimentaç</a:t>
             </a:r>
             <a:r>
               <a:rPr lang="pt-BR">
@@ -11265,7 +11353,7 @@
       </p:sp>
       <p:sp>
         <p:nvSpPr>
-          <p:cNvPr id="130" name="Google Shape;130;p19"/>
+          <p:cNvPr id="131" name="Google Shape;131;p19"/>
           <p:cNvSpPr txBox="1"/>
           <p:nvPr>
             <p:ph idx="1" type="body"/>
@@ -11297,19 +11385,31 @@
             </a:pPr>
             <a:r>
               <a:rPr lang="pt-BR"/>
-              <a:t>Ap</a:t>
-            </a:r>
+              <a:t>Após alocar um item, é possível mudá-lo de posição. </a:t>
+            </a:r>
+            <a:endParaRPr/>
+          </a:p>
+          <a:p>
+            <a:pPr indent="0" lvl="0" marL="0" rtl="0" algn="l">
+              <a:spcBef>
+                <a:spcPts val="1200"/>
+              </a:spcBef>
+              <a:spcAft>
+                <a:spcPts val="0"/>
+              </a:spcAft>
+              <a:buNone/>
+            </a:pPr>
             <a:r>
               <a:rPr lang="pt-BR"/>
-              <a:t>ós ser recebido, o item terá de fato entrado na cadeia logística. Perceba que nessa etapa, o item ainda não possui nenhuma posição no estoque. Por isso, é preciso </a:t>
+              <a:t>Assim, foi inserido o fluxo de </a:t>
             </a:r>
             <a:r>
               <a:rPr b="1" lang="pt-BR"/>
-              <a:t>alocar </a:t>
+              <a:t>mover um item de determinada posição para outra</a:t>
             </a:r>
             <a:r>
               <a:rPr lang="pt-BR"/>
-              <a:t>os itens aprovados ( recebidos) em uma posição.</a:t>
+              <a:t> no estoque;</a:t>
             </a:r>
             <a:endParaRPr/>
           </a:p>
@@ -11324,13 +11424,35 @@
               <a:buNone/>
             </a:pPr>
             <a:r>
+              <a:rPr lang="pt-BR" sz="1200"/>
+              <a:t>"mover", "(", SKU, ",", EXPRESSION, POSICAO,",", POSICAO ")" ;</a:t>
+            </a:r>
+            <a:endParaRPr sz="1200"/>
+          </a:p>
+          <a:p>
+            <a:pPr indent="0" lvl="0" marL="0" marR="0" rtl="0" algn="l">
+              <a:lnSpc>
+                <a:spcPct val="115000"/>
+              </a:lnSpc>
+              <a:spcBef>
+                <a:spcPts val="1200"/>
+              </a:spcBef>
+              <a:spcAft>
+                <a:spcPts val="0"/>
+              </a:spcAft>
+              <a:buNone/>
+            </a:pPr>
+            <a:r>
               <a:rPr lang="pt-BR"/>
-              <a:t>No código foi feito o Statement:</a:t>
+              <a:t>No código, o SKU será o item movido, Expression a quantidade, a primeira posição é a posição inicial e a segunda é a posição final.</a:t>
             </a:r>
             <a:endParaRPr/>
           </a:p>
           <a:p>
-            <a:pPr indent="0" lvl="0" marL="0" rtl="0" algn="l">
+            <a:pPr indent="0" lvl="0" marL="0" marR="0" rtl="0" algn="l">
+              <a:lnSpc>
+                <a:spcPct val="115000"/>
+              </a:lnSpc>
               <a:spcBef>
                 <a:spcPts val="1200"/>
               </a:spcBef>
@@ -11340,40 +11462,26 @@
               <a:buNone/>
             </a:pPr>
             <a:r>
-              <a:rPr lang="pt-BR" sz="1200"/>
-              <a:t>"alocar", "(", SKU, ",", EXPRESSION, ",", POSICAO, ")";</a:t>
-            </a:r>
-            <a:endParaRPr sz="1200"/>
-          </a:p>
-          <a:p>
-            <a:pPr indent="0" lvl="0" marL="0" rtl="0" algn="l">
+              <a:t/>
+            </a:r>
+            <a:endParaRPr/>
+          </a:p>
+          <a:p>
+            <a:pPr indent="0" lvl="0" marL="0" marR="0" rtl="0" algn="l">
+              <a:lnSpc>
+                <a:spcPct val="115000"/>
+              </a:lnSpc>
               <a:spcBef>
                 <a:spcPts val="1200"/>
               </a:spcBef>
               <a:spcAft>
-                <a:spcPts val="0"/>
+                <a:spcPts val="1200"/>
               </a:spcAft>
               <a:buNone/>
             </a:pPr>
             <a:r>
               <a:rPr lang="pt-BR"/>
-              <a:t>Após essa etapa, determinada quantia do SKU que estava sem posição após ser recebido, será armazenada em uma posição.</a:t>
-            </a:r>
-            <a:endParaRPr/>
-          </a:p>
-          <a:p>
-            <a:pPr indent="0" lvl="0" marL="0" rtl="0" algn="l">
-              <a:spcBef>
-                <a:spcPts val="1200"/>
-              </a:spcBef>
-              <a:spcAft>
-                <a:spcPts val="1200"/>
-              </a:spcAft>
-              <a:buNone/>
-            </a:pPr>
-            <a:r>
-              <a:rPr lang="pt-BR" sz="1200"/>
-              <a:t>Obs: No código, caso determinada posição ainda não tivesse sido usada, o código irá criar a posição vazia e armazenar o item. Caso contrário irá fazer um append e adicionar o item à posição.</a:t>
+              <a:t>Observação: Caso a posição final ainda não tenha sido usada no código, ela será criada vazia e será adicionado os itens movidos</a:t>
             </a:r>
             <a:endParaRPr sz="1200"/>
           </a:p>
@@ -11381,7 +11489,7 @@
       </p:sp>
       <p:pic>
         <p:nvPicPr>
-          <p:cNvPr id="131" name="Google Shape;131;p19"/>
+          <p:cNvPr id="132" name="Google Shape;132;p19"/>
           <p:cNvPicPr preferRelativeResize="0"/>
           <p:nvPr/>
         </p:nvPicPr>
@@ -11409,14 +11517,14 @@
       </p:pic>
       <p:sp>
         <p:nvSpPr>
-          <p:cNvPr id="132" name="Google Shape;132;p19"/>
+          <p:cNvPr id="133" name="Google Shape;133;p19"/>
           <p:cNvSpPr/>
           <p:nvPr/>
         </p:nvSpPr>
         <p:spPr>
           <a:xfrm>
-            <a:off x="7185400" y="2961275"/>
-            <a:ext cx="1121700" cy="1133100"/>
+            <a:off x="5585200" y="3723275"/>
+            <a:ext cx="1254000" cy="1209900"/>
           </a:xfrm>
           <a:prstGeom prst="ellipse">
             <a:avLst/>
@@ -11472,7 +11580,7 @@
   <p:cSld>
     <p:spTree>
       <p:nvGrpSpPr>
-        <p:cNvPr id="136" name="Shape 136"/>
+        <p:cNvPr id="137" name="Shape 137"/>
         <p:cNvGrpSpPr/>
         <p:nvPr/>
       </p:nvGrpSpPr>
@@ -11486,7 +11594,7 @@
       </p:grpSpPr>
       <p:sp>
         <p:nvSpPr>
-          <p:cNvPr id="137" name="Google Shape;137;p20"/>
+          <p:cNvPr id="138" name="Google Shape;138;p20"/>
           <p:cNvSpPr txBox="1"/>
           <p:nvPr>
             <p:ph type="title"/>
@@ -11523,7 +11631,7 @@
                 <a:cs typeface="Arial"/>
                 <a:sym typeface="Arial"/>
               </a:rPr>
-              <a:t>Etapa 4: Movimentaç</a:t>
+              <a:t>Etapa 5: Sa</a:t>
             </a:r>
             <a:r>
               <a:rPr lang="pt-BR">
@@ -11532,7 +11640,7 @@
                 <a:cs typeface="Arial"/>
                 <a:sym typeface="Arial"/>
               </a:rPr>
-              <a:t>ão</a:t>
+              <a:t>ída do item</a:t>
             </a:r>
             <a:endParaRPr>
               <a:latin typeface="Arial"/>
@@ -11545,7 +11653,7 @@
       </p:sp>
       <p:sp>
         <p:nvSpPr>
-          <p:cNvPr id="138" name="Google Shape;138;p20"/>
+          <p:cNvPr id="139" name="Google Shape;139;p20"/>
           <p:cNvSpPr txBox="1"/>
           <p:nvPr>
             <p:ph idx="1" type="body"/>
@@ -11566,67 +11674,31 @@
           </a:bodyPr>
           <a:lstStyle/>
           <a:p>
-            <a:pPr indent="0" lvl="0" marL="0" rtl="0" algn="l">
-              <a:spcBef>
-                <a:spcPts val="0"/>
-              </a:spcBef>
-              <a:spcAft>
-                <a:spcPts val="0"/>
-              </a:spcAft>
-              <a:buNone/>
-            </a:pPr>
-            <a:r>
-              <a:rPr lang="pt-BR"/>
-              <a:t>Após alocar um item, é possível mudá-lo de posição. </a:t>
-            </a:r>
-            <a:endParaRPr/>
-          </a:p>
-          <a:p>
-            <a:pPr indent="0" lvl="0" marL="0" rtl="0" algn="l">
-              <a:spcBef>
-                <a:spcPts val="1200"/>
-              </a:spcBef>
-              <a:spcAft>
-                <a:spcPts val="0"/>
-              </a:spcAft>
-              <a:buNone/>
-            </a:pPr>
-            <a:r>
-              <a:rPr lang="pt-BR"/>
-              <a:t>Assim, foi inserido o fluxo de </a:t>
-            </a:r>
-            <a:r>
-              <a:rPr b="1" lang="pt-BR"/>
-              <a:t>mover um item de determinada posição para outra</a:t>
-            </a:r>
-            <a:r>
-              <a:rPr lang="pt-BR"/>
-              <a:t> no estoque;</a:t>
-            </a:r>
-            <a:endParaRPr/>
-          </a:p>
-          <a:p>
-            <a:pPr indent="0" lvl="0" marL="0" rtl="0" algn="l">
-              <a:spcBef>
-                <a:spcPts val="1200"/>
-              </a:spcBef>
-              <a:spcAft>
-                <a:spcPts val="0"/>
-              </a:spcAft>
-              <a:buNone/>
-            </a:pPr>
-            <a:r>
-              <a:rPr lang="pt-BR" sz="1200"/>
-              <a:t>"mover", "(", SKU, ",", EXPRESSION, POSICAO,",", POSICAO ")" ;</a:t>
-            </a:r>
-            <a:endParaRPr sz="1200"/>
-          </a:p>
-          <a:p>
             <a:pPr indent="0" lvl="0" marL="0" marR="0" rtl="0" algn="l">
               <a:lnSpc>
                 <a:spcPct val="115000"/>
               </a:lnSpc>
               <a:spcBef>
+                <a:spcPts val="0"/>
+              </a:spcBef>
+              <a:spcAft>
+                <a:spcPts val="0"/>
+              </a:spcAft>
+              <a:buNone/>
+            </a:pPr>
+            <a:r>
+              <a:rPr lang="pt-BR"/>
+              <a:t>O </a:t>
+            </a:r>
+            <a:r>
+              <a:rPr lang="pt-BR"/>
+              <a:t>último estágio é o de saída do item. Nesse caso, há duas possibilidades, o item será vendido ou descartado.</a:t>
+            </a:r>
+            <a:endParaRPr/>
+          </a:p>
+          <a:p>
+            <a:pPr indent="0" lvl="0" marL="0" rtl="0" algn="l">
+              <a:spcBef>
                 <a:spcPts val="1200"/>
               </a:spcBef>
               <a:spcAft>
@@ -11636,7 +11708,23 @@
             </a:pPr>
             <a:r>
               <a:rPr lang="pt-BR"/>
-              <a:t>No código, o SKU será o item movido, Expression a quantidade, a primeira posição é a posição inicial e a segunda é a posição final.</a:t>
+              <a:t>"vender", "(", SKU, ",", EXPRESSION, [",", POSICAO], ")";</a:t>
+            </a:r>
+            <a:endParaRPr/>
+          </a:p>
+          <a:p>
+            <a:pPr indent="0" lvl="0" marL="0" rtl="0" algn="l">
+              <a:spcBef>
+                <a:spcPts val="1200"/>
+              </a:spcBef>
+              <a:spcAft>
+                <a:spcPts val="0"/>
+              </a:spcAft>
+              <a:buNone/>
+            </a:pPr>
+            <a:r>
+              <a:rPr lang="pt-BR"/>
+              <a:t>"descartar", "(", SKU, ",", EXPRESSION, [",", POSICAO], ")";</a:t>
             </a:r>
             <a:endParaRPr/>
           </a:p>
@@ -11654,7 +11742,8 @@
               <a:buNone/>
             </a:pPr>
             <a:r>
-              <a:t/>
+              <a:rPr lang="pt-BR"/>
+              <a:t>Nesse caso, ambas as operações acima diminuem a quantidade de determinado sku na posição apontada.</a:t>
             </a:r>
             <a:endParaRPr/>
           </a:p>
@@ -11673,15 +11762,15 @@
             </a:pPr>
             <a:r>
               <a:rPr lang="pt-BR"/>
-              <a:t>Observação: Caso a posição final ainda não tenha sido usada no código, ela será criada vazia e será adicionado os itens movidos</a:t>
-            </a:r>
-            <a:endParaRPr sz="1200"/>
+              <a:t>Caso nenhuma posição seja passada. será usada a ordem inicial das posições criadas</a:t>
+            </a:r>
+            <a:endParaRPr/>
           </a:p>
         </p:txBody>
       </p:sp>
       <p:pic>
         <p:nvPicPr>
-          <p:cNvPr id="139" name="Google Shape;139;p20"/>
+          <p:cNvPr id="140" name="Google Shape;140;p20"/>
           <p:cNvPicPr preferRelativeResize="0"/>
           <p:nvPr/>
         </p:nvPicPr>
@@ -11709,288 +11798,7 @@
       </p:pic>
       <p:sp>
         <p:nvSpPr>
-          <p:cNvPr id="140" name="Google Shape;140;p20"/>
-          <p:cNvSpPr/>
-          <p:nvPr/>
-        </p:nvSpPr>
-        <p:spPr>
-          <a:xfrm>
-            <a:off x="5585200" y="3723275"/>
-            <a:ext cx="1254000" cy="1209900"/>
-          </a:xfrm>
-          <a:prstGeom prst="ellipse">
-            <a:avLst/>
-          </a:prstGeom>
-          <a:noFill/>
-          <a:ln cap="flat" cmpd="sng" w="38100">
-            <a:solidFill>
-              <a:srgbClr val="FF0000"/>
-            </a:solidFill>
-            <a:prstDash val="solid"/>
-            <a:round/>
-            <a:headEnd len="sm" w="sm" type="none"/>
-            <a:tailEnd len="sm" w="sm" type="none"/>
-          </a:ln>
-        </p:spPr>
-        <p:txBody>
-          <a:bodyPr anchorCtr="0" anchor="ctr" bIns="91425" lIns="91425" spcFirstLastPara="1" rIns="91425" wrap="square" tIns="91425">
-            <a:noAutofit/>
-          </a:bodyPr>
-          <a:lstStyle/>
-          <a:p>
-            <a:pPr indent="0" lvl="0" marL="0" rtl="0" algn="ctr">
-              <a:spcBef>
-                <a:spcPts val="0"/>
-              </a:spcBef>
-              <a:spcAft>
-                <a:spcPts val="0"/>
-              </a:spcAft>
-              <a:buNone/>
-            </a:pPr>
-            <a:r>
-              <a:t/>
-            </a:r>
-            <a:endParaRPr>
-              <a:latin typeface="Lato"/>
-              <a:ea typeface="Lato"/>
-              <a:cs typeface="Lato"/>
-              <a:sym typeface="Lato"/>
-            </a:endParaRPr>
-          </a:p>
-        </p:txBody>
-      </p:sp>
-    </p:spTree>
-  </p:cSld>
-  <p:clrMapOvr>
-    <a:masterClrMapping/>
-  </p:clrMapOvr>
-</p:sld>
-</file>
-
-<file path=ppt/slides/slide9.xml><?xml version="1.0" encoding="utf-8"?>
-<p:sld xmlns:a="http://schemas.openxmlformats.org/drawingml/2006/main" xmlns:r="http://schemas.openxmlformats.org/officeDocument/2006/relationships" xmlns:mc="http://schemas.openxmlformats.org/markup-compatibility/2006" xmlns:mv="urn:schemas-microsoft-com:mac:vml" xmlns:p="http://schemas.openxmlformats.org/presentationml/2006/main" xmlns:c="http://schemas.openxmlformats.org/drawingml/2006/chart" xmlns:dgm="http://schemas.openxmlformats.org/drawingml/2006/diagram" xmlns:o="urn:schemas-microsoft-com:office:office" xmlns:v="urn:schemas-microsoft-com:vml" xmlns:pvml="urn:schemas-microsoft-com:office:powerpoint" xmlns:com="http://schemas.openxmlformats.org/drawingml/2006/compatibility" xmlns:p14="http://schemas.microsoft.com/office/powerpoint/2010/main" xmlns:p15="http://schemas.microsoft.com/office/powerpoint/2012/main" xmlns:ahyp="http://schemas.microsoft.com/office/drawing/2018/hyperlinkcolor">
-  <p:cSld>
-    <p:spTree>
-      <p:nvGrpSpPr>
-        <p:cNvPr id="144" name="Shape 144"/>
-        <p:cNvGrpSpPr/>
-        <p:nvPr/>
-      </p:nvGrpSpPr>
-      <p:grpSpPr>
-        <a:xfrm>
-          <a:off x="0" y="0"/>
-          <a:ext cx="0" cy="0"/>
-          <a:chOff x="0" y="0"/>
-          <a:chExt cx="0" cy="0"/>
-        </a:xfrm>
-      </p:grpSpPr>
-      <p:sp>
-        <p:nvSpPr>
-          <p:cNvPr id="145" name="Google Shape;145;p21"/>
-          <p:cNvSpPr txBox="1"/>
-          <p:nvPr>
-            <p:ph type="title"/>
-          </p:nvPr>
-        </p:nvSpPr>
-        <p:spPr>
-          <a:xfrm>
-            <a:off x="729450" y="556650"/>
-            <a:ext cx="7688700" cy="535200"/>
-          </a:xfrm>
-          <a:prstGeom prst="rect">
-            <a:avLst/>
-          </a:prstGeom>
-        </p:spPr>
-        <p:txBody>
-          <a:bodyPr anchorCtr="0" anchor="t" bIns="91425" lIns="91425" spcFirstLastPara="1" rIns="91425" wrap="square" tIns="91425">
-            <a:normAutofit fontScale="90000"/>
-          </a:bodyPr>
-          <a:lstStyle/>
-          <a:p>
-            <a:pPr indent="0" lvl="0" marL="0" rtl="0" algn="l">
-              <a:spcBef>
-                <a:spcPts val="0"/>
-              </a:spcBef>
-              <a:spcAft>
-                <a:spcPts val="0"/>
-              </a:spcAft>
-              <a:buNone/>
-            </a:pPr>
-            <a:r>
-              <a:rPr lang="pt-BR">
-                <a:latin typeface="Arial"/>
-                <a:ea typeface="Arial"/>
-                <a:cs typeface="Arial"/>
-                <a:sym typeface="Arial"/>
-              </a:rPr>
-              <a:t>Etapa 5: Sa</a:t>
-            </a:r>
-            <a:r>
-              <a:rPr lang="pt-BR">
-                <a:latin typeface="Arial"/>
-                <a:ea typeface="Arial"/>
-                <a:cs typeface="Arial"/>
-                <a:sym typeface="Arial"/>
-              </a:rPr>
-              <a:t>ída do item</a:t>
-            </a:r>
-            <a:endParaRPr>
-              <a:latin typeface="Arial"/>
-              <a:ea typeface="Arial"/>
-              <a:cs typeface="Arial"/>
-              <a:sym typeface="Arial"/>
-            </a:endParaRPr>
-          </a:p>
-        </p:txBody>
-      </p:sp>
-      <p:sp>
-        <p:nvSpPr>
-          <p:cNvPr id="146" name="Google Shape;146;p21"/>
-          <p:cNvSpPr txBox="1"/>
-          <p:nvPr>
-            <p:ph idx="1" type="body"/>
-          </p:nvPr>
-        </p:nvSpPr>
-        <p:spPr>
-          <a:xfrm>
-            <a:off x="61925" y="1339825"/>
-            <a:ext cx="4306800" cy="3654600"/>
-          </a:xfrm>
-          <a:prstGeom prst="rect">
-            <a:avLst/>
-          </a:prstGeom>
-        </p:spPr>
-        <p:txBody>
-          <a:bodyPr anchorCtr="0" anchor="t" bIns="91425" lIns="91425" spcFirstLastPara="1" rIns="91425" wrap="square" tIns="91425">
-            <a:normAutofit/>
-          </a:bodyPr>
-          <a:lstStyle/>
-          <a:p>
-            <a:pPr indent="0" lvl="0" marL="0" marR="0" rtl="0" algn="l">
-              <a:lnSpc>
-                <a:spcPct val="115000"/>
-              </a:lnSpc>
-              <a:spcBef>
-                <a:spcPts val="0"/>
-              </a:spcBef>
-              <a:spcAft>
-                <a:spcPts val="0"/>
-              </a:spcAft>
-              <a:buNone/>
-            </a:pPr>
-            <a:r>
-              <a:rPr lang="pt-BR"/>
-              <a:t>O </a:t>
-            </a:r>
-            <a:r>
-              <a:rPr lang="pt-BR"/>
-              <a:t>último estágio é o de saída do item. Nesse caso, há duas possibilidades, o item será vendido ou descartado.</a:t>
-            </a:r>
-            <a:endParaRPr/>
-          </a:p>
-          <a:p>
-            <a:pPr indent="0" lvl="0" marL="0" rtl="0" algn="l">
-              <a:spcBef>
-                <a:spcPts val="1200"/>
-              </a:spcBef>
-              <a:spcAft>
-                <a:spcPts val="0"/>
-              </a:spcAft>
-              <a:buNone/>
-            </a:pPr>
-            <a:r>
-              <a:rPr lang="pt-BR"/>
-              <a:t>"vender", "(", SKU, ",", EXPRESSION, [",", POSICAO], ")";</a:t>
-            </a:r>
-            <a:endParaRPr/>
-          </a:p>
-          <a:p>
-            <a:pPr indent="0" lvl="0" marL="0" rtl="0" algn="l">
-              <a:spcBef>
-                <a:spcPts val="1200"/>
-              </a:spcBef>
-              <a:spcAft>
-                <a:spcPts val="0"/>
-              </a:spcAft>
-              <a:buNone/>
-            </a:pPr>
-            <a:r>
-              <a:rPr lang="pt-BR"/>
-              <a:t>"descartar", "(", SKU, ",", EXPRESSION, [",", POSICAO], ")";</a:t>
-            </a:r>
-            <a:endParaRPr/>
-          </a:p>
-          <a:p>
-            <a:pPr indent="0" lvl="0" marL="0" marR="0" rtl="0" algn="l">
-              <a:lnSpc>
-                <a:spcPct val="115000"/>
-              </a:lnSpc>
-              <a:spcBef>
-                <a:spcPts val="1200"/>
-              </a:spcBef>
-              <a:spcAft>
-                <a:spcPts val="0"/>
-              </a:spcAft>
-              <a:buNone/>
-            </a:pPr>
-            <a:r>
-              <a:rPr lang="pt-BR"/>
-              <a:t>Nesse caso, ambas as operações acima diminuem a quantidade de determinado sku na posição apontada.</a:t>
-            </a:r>
-            <a:endParaRPr/>
-          </a:p>
-          <a:p>
-            <a:pPr indent="0" lvl="0" marL="0" marR="0" rtl="0" algn="l">
-              <a:lnSpc>
-                <a:spcPct val="115000"/>
-              </a:lnSpc>
-              <a:spcBef>
-                <a:spcPts val="1200"/>
-              </a:spcBef>
-              <a:spcAft>
-                <a:spcPts val="1200"/>
-              </a:spcAft>
-              <a:buNone/>
-            </a:pPr>
-            <a:r>
-              <a:rPr lang="pt-BR"/>
-              <a:t>Caso nenhuma posição seja passada. será usada a ordem inicial das posições criadas</a:t>
-            </a:r>
-            <a:endParaRPr/>
-          </a:p>
-        </p:txBody>
-      </p:sp>
-      <p:pic>
-        <p:nvPicPr>
-          <p:cNvPr id="147" name="Google Shape;147;p21"/>
-          <p:cNvPicPr preferRelativeResize="0"/>
-          <p:nvPr/>
-        </p:nvPicPr>
-        <p:blipFill>
-          <a:blip r:embed="rId3">
-            <a:alphaModFix/>
-          </a:blip>
-          <a:stretch>
-            <a:fillRect/>
-          </a:stretch>
-        </p:blipFill>
-        <p:spPr>
-          <a:xfrm>
-            <a:off x="4318375" y="1053525"/>
-            <a:ext cx="4018497" cy="3746850"/>
-          </a:xfrm>
-          <a:prstGeom prst="rect">
-            <a:avLst/>
-          </a:prstGeom>
-          <a:noFill/>
-          <a:ln>
-            <a:noFill/>
-          </a:ln>
-        </p:spPr>
-      </p:pic>
-      <p:sp>
-        <p:nvSpPr>
-          <p:cNvPr id="148" name="Google Shape;148;p21"/>
+          <p:cNvPr id="141" name="Google Shape;141;p20"/>
           <p:cNvSpPr/>
           <p:nvPr/>
         </p:nvSpPr>
@@ -12040,6 +11848,296 @@
           </a:p>
         </p:txBody>
       </p:sp>
+    </p:spTree>
+  </p:cSld>
+  <p:clrMapOvr>
+    <a:masterClrMapping/>
+  </p:clrMapOvr>
+</p:sld>
+</file>
+
+<file path=ppt/slides/slide9.xml><?xml version="1.0" encoding="utf-8"?>
+<p:sld xmlns:a="http://schemas.openxmlformats.org/drawingml/2006/main" xmlns:r="http://schemas.openxmlformats.org/officeDocument/2006/relationships" xmlns:mc="http://schemas.openxmlformats.org/markup-compatibility/2006" xmlns:mv="urn:schemas-microsoft-com:mac:vml" xmlns:p="http://schemas.openxmlformats.org/presentationml/2006/main" xmlns:c="http://schemas.openxmlformats.org/drawingml/2006/chart" xmlns:dgm="http://schemas.openxmlformats.org/drawingml/2006/diagram" xmlns:o="urn:schemas-microsoft-com:office:office" xmlns:v="urn:schemas-microsoft-com:vml" xmlns:pvml="urn:schemas-microsoft-com:office:powerpoint" xmlns:com="http://schemas.openxmlformats.org/drawingml/2006/compatibility" xmlns:p14="http://schemas.microsoft.com/office/powerpoint/2010/main" xmlns:p15="http://schemas.microsoft.com/office/powerpoint/2012/main" xmlns:ahyp="http://schemas.microsoft.com/office/drawing/2018/hyperlinkcolor">
+  <p:cSld>
+    <p:spTree>
+      <p:nvGrpSpPr>
+        <p:cNvPr id="145" name="Shape 145"/>
+        <p:cNvGrpSpPr/>
+        <p:nvPr/>
+      </p:nvGrpSpPr>
+      <p:grpSpPr>
+        <a:xfrm>
+          <a:off x="0" y="0"/>
+          <a:ext cx="0" cy="0"/>
+          <a:chOff x="0" y="0"/>
+          <a:chExt cx="0" cy="0"/>
+        </a:xfrm>
+      </p:grpSpPr>
+      <p:sp>
+        <p:nvSpPr>
+          <p:cNvPr id="146" name="Google Shape;146;p21"/>
+          <p:cNvSpPr txBox="1"/>
+          <p:nvPr>
+            <p:ph type="title"/>
+          </p:nvPr>
+        </p:nvSpPr>
+        <p:spPr>
+          <a:xfrm>
+            <a:off x="729450" y="556650"/>
+            <a:ext cx="7688700" cy="535200"/>
+          </a:xfrm>
+          <a:prstGeom prst="rect">
+            <a:avLst/>
+          </a:prstGeom>
+        </p:spPr>
+        <p:txBody>
+          <a:bodyPr anchorCtr="0" anchor="t" bIns="91425" lIns="91425" spcFirstLastPara="1" rIns="91425" wrap="square" tIns="91425">
+            <a:normAutofit fontScale="90000"/>
+          </a:bodyPr>
+          <a:lstStyle/>
+          <a:p>
+            <a:pPr indent="0" lvl="0" marL="0" rtl="0" algn="l">
+              <a:spcBef>
+                <a:spcPts val="0"/>
+              </a:spcBef>
+              <a:spcAft>
+                <a:spcPts val="0"/>
+              </a:spcAft>
+              <a:buNone/>
+            </a:pPr>
+            <a:r>
+              <a:rPr lang="pt-BR">
+                <a:latin typeface="Arial"/>
+                <a:ea typeface="Arial"/>
+                <a:cs typeface="Arial"/>
+                <a:sym typeface="Arial"/>
+              </a:rPr>
+              <a:t>Manuseio</a:t>
+            </a:r>
+            <a:endParaRPr>
+              <a:latin typeface="Arial"/>
+              <a:ea typeface="Arial"/>
+              <a:cs typeface="Arial"/>
+              <a:sym typeface="Arial"/>
+            </a:endParaRPr>
+          </a:p>
+        </p:txBody>
+      </p:sp>
+      <p:sp>
+        <p:nvSpPr>
+          <p:cNvPr id="147" name="Google Shape;147;p21"/>
+          <p:cNvSpPr txBox="1"/>
+          <p:nvPr>
+            <p:ph idx="1" type="body"/>
+          </p:nvPr>
+        </p:nvSpPr>
+        <p:spPr>
+          <a:xfrm>
+            <a:off x="61925" y="1339825"/>
+            <a:ext cx="4306800" cy="3654600"/>
+          </a:xfrm>
+          <a:prstGeom prst="rect">
+            <a:avLst/>
+          </a:prstGeom>
+        </p:spPr>
+        <p:txBody>
+          <a:bodyPr anchorCtr="0" anchor="t" bIns="91425" lIns="91425" spcFirstLastPara="1" rIns="91425" wrap="square" tIns="91425">
+            <a:normAutofit fontScale="85000" lnSpcReduction="10000"/>
+          </a:bodyPr>
+          <a:lstStyle/>
+          <a:p>
+            <a:pPr indent="0" lvl="0" marL="0" rtl="0" algn="l">
+              <a:spcBef>
+                <a:spcPts val="0"/>
+              </a:spcBef>
+              <a:spcAft>
+                <a:spcPts val="0"/>
+              </a:spcAft>
+              <a:buNone/>
+            </a:pPr>
+            <a:r>
+              <a:rPr lang="pt-BR"/>
+              <a:t>O Manuseio </a:t>
+            </a:r>
+            <a:r>
+              <a:rPr lang="pt-BR"/>
+              <a:t>é um processo interno à cadeia logística que engloba as operações </a:t>
+            </a:r>
+            <a:r>
+              <a:rPr b="1" lang="pt-BR"/>
+              <a:t>envolvendo a análise dos itens armazenados</a:t>
+            </a:r>
+            <a:r>
+              <a:rPr lang="pt-BR"/>
+              <a:t>. Para isso o código apresenta fluxos capazes de </a:t>
+            </a:r>
+            <a:r>
+              <a:rPr b="1" lang="pt-BR"/>
+              <a:t>manusear os produtos</a:t>
+            </a:r>
+            <a:r>
+              <a:rPr lang="pt-BR"/>
+              <a:t>.</a:t>
+            </a:r>
+            <a:endParaRPr/>
+          </a:p>
+          <a:p>
+            <a:pPr indent="0" lvl="0" marL="0" rtl="0" algn="l">
+              <a:spcBef>
+                <a:spcPts val="1200"/>
+              </a:spcBef>
+              <a:spcAft>
+                <a:spcPts val="0"/>
+              </a:spcAft>
+              <a:buNone/>
+            </a:pPr>
+            <a:r>
+              <a:rPr lang="pt-BR"/>
+              <a:t>No código os produtos armazenados são tratados como variáveis. É possível obter seus valores com:</a:t>
+            </a:r>
+            <a:endParaRPr/>
+          </a:p>
+          <a:p>
+            <a:pPr indent="-293370" lvl="0" marL="457200" rtl="0" algn="l">
+              <a:spcBef>
+                <a:spcPts val="1200"/>
+              </a:spcBef>
+              <a:spcAft>
+                <a:spcPts val="0"/>
+              </a:spcAft>
+              <a:buSzPct val="100000"/>
+              <a:buChar char="●"/>
+            </a:pPr>
+            <a:r>
+              <a:rPr b="1" lang="pt-BR" sz="1200"/>
+              <a:t>Exibir: </a:t>
+            </a:r>
+            <a:r>
+              <a:rPr lang="pt-BR" sz="1200"/>
+              <a:t>É o print da linguagem, printa determinada </a:t>
+            </a:r>
+            <a:r>
+              <a:rPr b="1" lang="pt-BR" sz="1200"/>
+              <a:t>posição</a:t>
+            </a:r>
+            <a:r>
+              <a:rPr lang="pt-BR" sz="1200"/>
+              <a:t> ou determinado </a:t>
+            </a:r>
+            <a:r>
+              <a:rPr b="1" lang="pt-BR" sz="1200"/>
+              <a:t>SKU</a:t>
+            </a:r>
+            <a:endParaRPr b="1" sz="1200"/>
+          </a:p>
+          <a:p>
+            <a:pPr indent="-293370" lvl="0" marL="457200" rtl="0" algn="l">
+              <a:spcBef>
+                <a:spcPts val="0"/>
+              </a:spcBef>
+              <a:spcAft>
+                <a:spcPts val="0"/>
+              </a:spcAft>
+              <a:buSzPct val="100000"/>
+              <a:buChar char="●"/>
+            </a:pPr>
+            <a:r>
+              <a:rPr b="1" lang="pt-BR" sz="1200"/>
+              <a:t>Conferir: recebe um SKU</a:t>
+            </a:r>
+            <a:r>
+              <a:rPr lang="pt-BR" sz="1200"/>
+              <a:t> ou </a:t>
+            </a:r>
+            <a:r>
+              <a:rPr b="1" lang="pt-BR" sz="1200"/>
+              <a:t>SKU e posição</a:t>
+            </a:r>
+            <a:r>
+              <a:rPr lang="pt-BR" sz="1200"/>
+              <a:t>. No primeiro caso, retorna a  quantidade total de determinado item em todo o estoque, no segundo retorna a quantidade do item na posição</a:t>
+            </a:r>
+            <a:endParaRPr sz="1200"/>
+          </a:p>
+          <a:p>
+            <a:pPr indent="-293370" lvl="0" marL="457200" rtl="0" algn="l">
+              <a:spcBef>
+                <a:spcPts val="0"/>
+              </a:spcBef>
+              <a:spcAft>
+                <a:spcPts val="0"/>
+              </a:spcAft>
+              <a:buSzPct val="100000"/>
+              <a:buChar char="●"/>
+            </a:pPr>
+            <a:r>
+              <a:rPr b="1" lang="pt-BR" sz="1200"/>
+              <a:t>Validade: recebe um SKU, posição e número de dias</a:t>
+            </a:r>
+            <a:r>
+              <a:rPr lang="pt-BR" sz="1200"/>
+              <a:t>. Analisa o item e a posição buscada e retorna a quantidade de itens com validade igual ou menor em dias ao argumento passado, utiliza a data atual como referência. </a:t>
+            </a:r>
+            <a:endParaRPr sz="1200"/>
+          </a:p>
+          <a:p>
+            <a:pPr indent="0" lvl="0" marL="0" rtl="0" algn="l">
+              <a:spcBef>
+                <a:spcPts val="1200"/>
+              </a:spcBef>
+              <a:spcAft>
+                <a:spcPts val="1200"/>
+              </a:spcAft>
+              <a:buNone/>
+            </a:pPr>
+            <a:r>
+              <a:rPr lang="pt-BR"/>
+              <a:t>Para adicionar mais quantidades, </a:t>
+            </a:r>
+            <a:r>
+              <a:rPr b="1" lang="pt-BR"/>
+              <a:t>basta realizar a alocação/movimentação</a:t>
+            </a:r>
+            <a:r>
+              <a:rPr lang="pt-BR"/>
+              <a:t> e para remover basta </a:t>
+            </a:r>
+            <a:r>
+              <a:rPr b="1" lang="pt-BR"/>
+              <a:t>realizar sua venda ou descarte</a:t>
+            </a:r>
+            <a:endParaRPr b="1"/>
+          </a:p>
+        </p:txBody>
+      </p:sp>
+      <p:pic>
+        <p:nvPicPr>
+          <p:cNvPr id="148" name="Google Shape;148;p21"/>
+          <p:cNvPicPr preferRelativeResize="0"/>
+          <p:nvPr/>
+        </p:nvPicPr>
+        <p:blipFill>
+          <a:blip r:embed="rId3">
+            <a:alphaModFix/>
+          </a:blip>
+          <a:stretch>
+            <a:fillRect/>
+          </a:stretch>
+        </p:blipFill>
+        <p:spPr>
+          <a:xfrm>
+            <a:off x="6007700" y="985850"/>
+            <a:ext cx="2226850" cy="3958852"/>
+          </a:xfrm>
+          <a:prstGeom prst="rect">
+            <a:avLst/>
+          </a:prstGeom>
+          <a:noFill/>
+          <a:ln>
+            <a:noFill/>
+          </a:ln>
+        </p:spPr>
+      </p:pic>
     </p:spTree>
   </p:cSld>
   <p:clrMapOvr>
